--- a/project_presentation.pptx
+++ b/project_presentation.pptx
@@ -302,7 +302,7 @@
           <a:p>
             <a:fld id="{B6022033-D2F4-E946-94A1-5985CC57DEEE}" type="datetimeFigureOut">
               <a:rPr kumimoji="1" lang="zh-CN" altLang="en-US" smtClean="0"/>
-              <a:t>3/6/15</a:t>
+              <a:t>3/9/15</a:t>
             </a:fld>
             <a:endParaRPr kumimoji="1" lang="zh-CN" altLang="en-US"/>
           </a:p>
@@ -472,7 +472,7 @@
           <a:p>
             <a:fld id="{B6022033-D2F4-E946-94A1-5985CC57DEEE}" type="datetimeFigureOut">
               <a:rPr kumimoji="1" lang="zh-CN" altLang="en-US" smtClean="0"/>
-              <a:t>3/6/15</a:t>
+              <a:t>3/9/15</a:t>
             </a:fld>
             <a:endParaRPr kumimoji="1" lang="zh-CN" altLang="en-US"/>
           </a:p>
@@ -652,7 +652,7 @@
           <a:p>
             <a:fld id="{B6022033-D2F4-E946-94A1-5985CC57DEEE}" type="datetimeFigureOut">
               <a:rPr kumimoji="1" lang="zh-CN" altLang="en-US" smtClean="0"/>
-              <a:t>3/6/15</a:t>
+              <a:t>3/9/15</a:t>
             </a:fld>
             <a:endParaRPr kumimoji="1" lang="zh-CN" altLang="en-US"/>
           </a:p>
@@ -822,7 +822,7 @@
           <a:p>
             <a:fld id="{B6022033-D2F4-E946-94A1-5985CC57DEEE}" type="datetimeFigureOut">
               <a:rPr kumimoji="1" lang="zh-CN" altLang="en-US" smtClean="0"/>
-              <a:t>3/6/15</a:t>
+              <a:t>3/9/15</a:t>
             </a:fld>
             <a:endParaRPr kumimoji="1" lang="zh-CN" altLang="en-US"/>
           </a:p>
@@ -1068,7 +1068,7 @@
           <a:p>
             <a:fld id="{B6022033-D2F4-E946-94A1-5985CC57DEEE}" type="datetimeFigureOut">
               <a:rPr kumimoji="1" lang="zh-CN" altLang="en-US" smtClean="0"/>
-              <a:t>3/6/15</a:t>
+              <a:t>3/9/15</a:t>
             </a:fld>
             <a:endParaRPr kumimoji="1" lang="zh-CN" altLang="en-US"/>
           </a:p>
@@ -1356,7 +1356,7 @@
           <a:p>
             <a:fld id="{B6022033-D2F4-E946-94A1-5985CC57DEEE}" type="datetimeFigureOut">
               <a:rPr kumimoji="1" lang="zh-CN" altLang="en-US" smtClean="0"/>
-              <a:t>3/6/15</a:t>
+              <a:t>3/9/15</a:t>
             </a:fld>
             <a:endParaRPr kumimoji="1" lang="zh-CN" altLang="en-US"/>
           </a:p>
@@ -1778,7 +1778,7 @@
           <a:p>
             <a:fld id="{B6022033-D2F4-E946-94A1-5985CC57DEEE}" type="datetimeFigureOut">
               <a:rPr kumimoji="1" lang="zh-CN" altLang="en-US" smtClean="0"/>
-              <a:t>3/6/15</a:t>
+              <a:t>3/9/15</a:t>
             </a:fld>
             <a:endParaRPr kumimoji="1" lang="zh-CN" altLang="en-US"/>
           </a:p>
@@ -1896,7 +1896,7 @@
           <a:p>
             <a:fld id="{B6022033-D2F4-E946-94A1-5985CC57DEEE}" type="datetimeFigureOut">
               <a:rPr kumimoji="1" lang="zh-CN" altLang="en-US" smtClean="0"/>
-              <a:t>3/6/15</a:t>
+              <a:t>3/9/15</a:t>
             </a:fld>
             <a:endParaRPr kumimoji="1" lang="zh-CN" altLang="en-US"/>
           </a:p>
@@ -1991,7 +1991,7 @@
           <a:p>
             <a:fld id="{B6022033-D2F4-E946-94A1-5985CC57DEEE}" type="datetimeFigureOut">
               <a:rPr kumimoji="1" lang="zh-CN" altLang="en-US" smtClean="0"/>
-              <a:t>3/6/15</a:t>
+              <a:t>3/9/15</a:t>
             </a:fld>
             <a:endParaRPr kumimoji="1" lang="zh-CN" altLang="en-US"/>
           </a:p>
@@ -2268,7 +2268,7 @@
           <a:p>
             <a:fld id="{B6022033-D2F4-E946-94A1-5985CC57DEEE}" type="datetimeFigureOut">
               <a:rPr kumimoji="1" lang="zh-CN" altLang="en-US" smtClean="0"/>
-              <a:t>3/6/15</a:t>
+              <a:t>3/9/15</a:t>
             </a:fld>
             <a:endParaRPr kumimoji="1" lang="zh-CN" altLang="en-US"/>
           </a:p>
@@ -2521,7 +2521,7 @@
           <a:p>
             <a:fld id="{B6022033-D2F4-E946-94A1-5985CC57DEEE}" type="datetimeFigureOut">
               <a:rPr kumimoji="1" lang="zh-CN" altLang="en-US" smtClean="0"/>
-              <a:t>3/6/15</a:t>
+              <a:t>3/9/15</a:t>
             </a:fld>
             <a:endParaRPr kumimoji="1" lang="zh-CN" altLang="en-US"/>
           </a:p>
@@ -2734,7 +2734,7 @@
           <a:p>
             <a:fld id="{B6022033-D2F4-E946-94A1-5985CC57DEEE}" type="datetimeFigureOut">
               <a:rPr kumimoji="1" lang="zh-CN" altLang="en-US" smtClean="0"/>
-              <a:t>3/6/15</a:t>
+              <a:t>3/9/15</a:t>
             </a:fld>
             <a:endParaRPr kumimoji="1" lang="zh-CN" altLang="en-US"/>
           </a:p>
@@ -3133,15 +3133,7 @@
           <a:p>
             <a:r>
               <a:rPr kumimoji="1" lang="en-US" altLang="zh-CN" dirty="0" smtClean="0"/>
-              <a:t>Mobile Ads </a:t>
-            </a:r>
-            <a:r>
-              <a:rPr kumimoji="1" lang="en-US" altLang="zh-CN" dirty="0" smtClean="0"/>
-              <a:t>Click </a:t>
-            </a:r>
-            <a:r>
-              <a:rPr kumimoji="1" lang="en-US" altLang="zh-CN" dirty="0" smtClean="0"/>
-              <a:t>Prediction</a:t>
+              <a:t>Mobile Ads Click Prediction</a:t>
             </a:r>
             <a:br>
               <a:rPr kumimoji="1" lang="en-US" altLang="zh-CN" dirty="0" smtClean="0"/>
@@ -3474,11 +3466,7 @@
           <a:p>
             <a:r>
               <a:rPr kumimoji="1" lang="en-US" altLang="zh-CN" dirty="0" smtClean="0"/>
-              <a:t>Naïve </a:t>
-            </a:r>
-            <a:r>
-              <a:rPr kumimoji="1" lang="en-US" altLang="zh-CN" dirty="0" smtClean="0"/>
-              <a:t>Bayesian</a:t>
+              <a:t>Naïve Bayesian</a:t>
             </a:r>
             <a:endParaRPr kumimoji="1" lang="zh-CN" altLang="en-US" dirty="0"/>
           </a:p>
@@ -4243,6 +4231,13 @@
   <p:clrMapOvr>
     <a:masterClrMapping/>
   </p:clrMapOvr>
+  <p:timing>
+    <p:tnLst>
+      <p:par>
+        <p:cTn xmlns:p14="http://schemas.microsoft.com/office/powerpoint/2010/main" id="1" dur="indefinite" restart="never" nodeType="tmRoot"/>
+      </p:par>
+    </p:tnLst>
+  </p:timing>
 </p:sld>
 </file>
 
@@ -4286,6 +4281,30 @@
           </a:p>
         </p:txBody>
       </p:sp>
+      <p:pic>
+        <p:nvPicPr>
+          <p:cNvPr id="4" name="图片 3"/>
+          <p:cNvPicPr>
+            <a:picLocks noChangeAspect="1"/>
+          </p:cNvPicPr>
+          <p:nvPr/>
+        </p:nvPicPr>
+        <p:blipFill>
+          <a:blip r:embed="rId2"/>
+          <a:stretch>
+            <a:fillRect/>
+          </a:stretch>
+        </p:blipFill>
+        <p:spPr>
+          <a:xfrm>
+            <a:off x="673426" y="2777066"/>
+            <a:ext cx="5947508" cy="3591771"/>
+          </a:xfrm>
+          <a:prstGeom prst="rect">
+            <a:avLst/>
+          </a:prstGeom>
+        </p:spPr>
+      </p:pic>
     </p:spTree>
     <p:extLst>
       <p:ext uri="{BB962C8B-B14F-4D97-AF65-F5344CB8AC3E}">
@@ -4358,7 +4377,9 @@
         </p:nvSpPr>
         <p:spPr/>
         <p:txBody>
-          <a:bodyPr/>
+          <a:bodyPr>
+            <a:normAutofit fontScale="92500" lnSpcReduction="10000"/>
+          </a:bodyPr>
           <a:lstStyle/>
           <a:p>
             <a:r>
@@ -4396,25 +4417,65 @@
               <a:buNone/>
             </a:pPr>
             <a:r>
-              <a:rPr kumimoji="1" lang="en-US" altLang="zh-CN" dirty="0"/>
-              <a:t>	https://</a:t>
-            </a:r>
-            <a:r>
-              <a:rPr kumimoji="1" lang="en-US" altLang="zh-CN" dirty="0" err="1"/>
-              <a:t>github.com</a:t>
-            </a:r>
-            <a:r>
-              <a:rPr kumimoji="1" lang="en-US" altLang="zh-CN" dirty="0"/>
-              <a:t>/Kelvin-</a:t>
-            </a:r>
-            <a:r>
-              <a:rPr kumimoji="1" lang="en-US" altLang="zh-CN" dirty="0" err="1"/>
-              <a:t>Zhong</a:t>
-            </a:r>
-            <a:r>
-              <a:rPr kumimoji="1" lang="en-US" altLang="zh-CN" dirty="0"/>
-              <a:t>/Click-Through-Rate-Prediction</a:t>
-            </a:r>
+              <a:rPr kumimoji="1" lang="en-US" altLang="zh-CN" dirty="0" smtClean="0">
+                <a:hlinkClick r:id="rId3"/>
+              </a:rPr>
+              <a:t>https</a:t>
+            </a:r>
+            <a:r>
+              <a:rPr kumimoji="1" lang="en-US" altLang="zh-CN" dirty="0">
+                <a:hlinkClick r:id="rId3"/>
+              </a:rPr>
+              <a:t>://github.com/Kelvin-Zhong/Click-Through-Rate-</a:t>
+            </a:r>
+            <a:r>
+              <a:rPr kumimoji="1" lang="en-US" altLang="zh-CN" dirty="0" smtClean="0">
+                <a:hlinkClick r:id="rId3"/>
+              </a:rPr>
+              <a:t>Prediction</a:t>
+            </a:r>
+            <a:endParaRPr kumimoji="1" lang="en-US" altLang="zh-CN" dirty="0" smtClean="0"/>
+          </a:p>
+          <a:p>
+            <a:r>
+              <a:rPr kumimoji="1" lang="en-US" altLang="zh-CN" dirty="0" smtClean="0"/>
+              <a:t>Reference:</a:t>
+            </a:r>
+          </a:p>
+          <a:p>
+            <a:pPr marL="0" indent="0">
+              <a:buNone/>
+            </a:pPr>
+            <a:r>
+              <a:rPr lang="en-US" altLang="zh-CN" dirty="0"/>
+              <a:t>"A two-stage ensemble of diverse models for advertisement ranking in KDD Cup 2012." </a:t>
+            </a:r>
+            <a:r>
+              <a:rPr lang="en-US" altLang="zh-CN" dirty="0" err="1"/>
+              <a:t>KDDCup</a:t>
+            </a:r>
+            <a:r>
+              <a:rPr lang="en-US" altLang="zh-CN" dirty="0"/>
+              <a:t> (2012).</a:t>
+            </a:r>
+          </a:p>
+          <a:p>
+            <a:endParaRPr kumimoji="1" lang="en-US" altLang="zh-CN" dirty="0" smtClean="0"/>
+          </a:p>
+          <a:p>
+            <a:endParaRPr kumimoji="1" lang="en-US" altLang="zh-CN" dirty="0"/>
+          </a:p>
+          <a:p>
+            <a:pPr marL="0" indent="0">
+              <a:buNone/>
+            </a:pPr>
+            <a:endParaRPr kumimoji="1" lang="en-US" altLang="zh-CN" dirty="0" smtClean="0"/>
+          </a:p>
+          <a:p>
+            <a:pPr marL="0" indent="0">
+              <a:buNone/>
+            </a:pPr>
+            <a:endParaRPr kumimoji="1" lang="en-US" altLang="zh-CN" dirty="0"/>
           </a:p>
         </p:txBody>
       </p:sp>
@@ -4428,6 +4489,13 @@
   <p:clrMapOvr>
     <a:masterClrMapping/>
   </p:clrMapOvr>
+  <p:timing>
+    <p:tnLst>
+      <p:par>
+        <p:cTn xmlns:p14="http://schemas.microsoft.com/office/powerpoint/2010/main" id="1" dur="indefinite" restart="never" nodeType="tmRoot"/>
+      </p:par>
+    </p:tnLst>
+  </p:timing>
 </p:sld>
 </file>
 
@@ -4698,7 +4766,12 @@
             <p:ph type="title"/>
           </p:nvPr>
         </p:nvSpPr>
-        <p:spPr/>
+        <p:spPr>
+          <a:xfrm>
+            <a:off x="389467" y="29105"/>
+            <a:ext cx="8229600" cy="1143000"/>
+          </a:xfrm>
+        </p:spPr>
         <p:txBody>
           <a:bodyPr/>
           <a:lstStyle/>
@@ -6430,7 +6503,21 @@
           <a:p>
             <a:r>
               <a:rPr kumimoji="1" lang="en-US" altLang="zh-CN" dirty="0" smtClean="0"/>
-              <a:t>Example: Game app &amp; Game ads</a:t>
+              <a:t>Example: </a:t>
+            </a:r>
+          </a:p>
+          <a:p>
+            <a:pPr lvl="1"/>
+            <a:r>
+              <a:rPr kumimoji="1" lang="en-US" altLang="zh-CN" dirty="0" smtClean="0"/>
+              <a:t>App category: Game app </a:t>
+            </a:r>
+          </a:p>
+          <a:p>
+            <a:pPr lvl="1"/>
+            <a:r>
+              <a:rPr kumimoji="1" lang="en-US" altLang="zh-CN" dirty="0" smtClean="0"/>
+              <a:t>Ads  category: Game ads</a:t>
             </a:r>
             <a:endParaRPr kumimoji="1" lang="en-US" altLang="zh-CN" dirty="0"/>
           </a:p>
@@ -6486,11 +6573,7 @@
           <a:p>
             <a:r>
               <a:rPr kumimoji="1" lang="en-US" altLang="zh-CN" dirty="0" smtClean="0"/>
-              <a:t>Attribute </a:t>
-            </a:r>
-            <a:r>
-              <a:rPr kumimoji="1" lang="en-US" altLang="zh-CN" dirty="0" smtClean="0"/>
-              <a:t>Selection(</a:t>
+              <a:t>Attribute Selection(</a:t>
             </a:r>
             <a:r>
               <a:rPr kumimoji="1" lang="en-US" altLang="zh-CN" dirty="0" err="1" smtClean="0"/>
@@ -6897,7 +6980,6 @@
               <a:rPr kumimoji="1" lang="en-US" altLang="zh-CN" dirty="0" smtClean="0"/>
               <a:t>Hybrid Models</a:t>
             </a:r>
-            <a:endParaRPr kumimoji="1" lang="en-US" altLang="zh-CN" dirty="0" smtClean="0"/>
           </a:p>
           <a:p>
             <a:endParaRPr kumimoji="1" lang="zh-CN" altLang="en-US" dirty="0"/>

--- a/project_presentation.pptx
+++ b/project_presentation.pptx
@@ -4297,7 +4297,7 @@
         </p:blipFill>
         <p:spPr>
           <a:xfrm>
-            <a:off x="673426" y="2777066"/>
+            <a:off x="457200" y="2777066"/>
             <a:ext cx="5947508" cy="3591771"/>
           </a:xfrm>
           <a:prstGeom prst="rect">

--- a/project_presentation.pptx
+++ b/project_presentation.pptx
@@ -10,16 +10,18 @@
     <p:sldId id="269" r:id="rId4"/>
     <p:sldId id="257" r:id="rId5"/>
     <p:sldId id="273" r:id="rId6"/>
-    <p:sldId id="271" r:id="rId7"/>
-    <p:sldId id="267" r:id="rId8"/>
+    <p:sldId id="267" r:id="rId7"/>
+    <p:sldId id="271" r:id="rId8"/>
     <p:sldId id="260" r:id="rId9"/>
     <p:sldId id="263" r:id="rId10"/>
-    <p:sldId id="264" r:id="rId11"/>
-    <p:sldId id="261" r:id="rId12"/>
-    <p:sldId id="270" r:id="rId13"/>
-    <p:sldId id="262" r:id="rId14"/>
-    <p:sldId id="272" r:id="rId15"/>
-    <p:sldId id="265" r:id="rId16"/>
+    <p:sldId id="275" r:id="rId11"/>
+    <p:sldId id="264" r:id="rId12"/>
+    <p:sldId id="261" r:id="rId13"/>
+    <p:sldId id="276" r:id="rId14"/>
+    <p:sldId id="270" r:id="rId15"/>
+    <p:sldId id="262" r:id="rId16"/>
+    <p:sldId id="272" r:id="rId17"/>
+    <p:sldId id="265" r:id="rId18"/>
   </p:sldIdLst>
   <p:sldSz cx="9144000" cy="6858000" type="screen4x3"/>
   <p:notesSz cx="6858000" cy="9144000"/>
@@ -3451,7 +3453,7 @@
       </p:grpSpPr>
       <p:sp>
         <p:nvSpPr>
-          <p:cNvPr id="2" name="标题 1"/>
+          <p:cNvPr id="4" name="标题 1"/>
           <p:cNvSpPr>
             <a:spLocks noGrp="1"/>
           </p:cNvSpPr>
@@ -3459,42 +3461,30 @@
             <p:ph type="title"/>
           </p:nvPr>
         </p:nvSpPr>
-        <p:spPr/>
-        <p:txBody>
-          <a:bodyPr/>
+        <p:spPr>
+          <a:xfrm>
+            <a:off x="457200" y="274638"/>
+            <a:ext cx="8229600" cy="1143000"/>
+          </a:xfrm>
+        </p:spPr>
+        <p:txBody>
+          <a:bodyPr>
+            <a:normAutofit/>
+          </a:bodyPr>
           <a:lstStyle/>
           <a:p>
             <a:r>
               <a:rPr kumimoji="1" lang="en-US" altLang="zh-CN" dirty="0" smtClean="0"/>
-              <a:t>Naïve Bayesian</a:t>
+              <a:t>Random Forest</a:t>
             </a:r>
             <a:endParaRPr kumimoji="1" lang="zh-CN" altLang="en-US" dirty="0"/>
-          </a:p>
-        </p:txBody>
-      </p:sp>
-      <p:sp>
-        <p:nvSpPr>
-          <p:cNvPr id="3" name="内容占位符 2"/>
-          <p:cNvSpPr>
-            <a:spLocks noGrp="1"/>
-          </p:cNvSpPr>
-          <p:nvPr>
-            <p:ph idx="1"/>
-          </p:nvPr>
-        </p:nvSpPr>
-        <p:spPr/>
-        <p:txBody>
-          <a:bodyPr/>
-          <a:lstStyle/>
-          <a:p>
-            <a:endParaRPr kumimoji="1" lang="zh-CN" altLang="en-US"/>
           </a:p>
         </p:txBody>
       </p:sp>
     </p:spTree>
     <p:extLst>
       <p:ext uri="{BB962C8B-B14F-4D97-AF65-F5344CB8AC3E}">
-        <p14:creationId xmlns:p14="http://schemas.microsoft.com/office/powerpoint/2010/main" val="146830157"/>
+        <p14:creationId xmlns:p14="http://schemas.microsoft.com/office/powerpoint/2010/main" val="3380218794"/>
       </p:ext>
     </p:extLst>
   </p:cSld>
@@ -3538,6 +3528,78 @@
           <a:p>
             <a:r>
               <a:rPr kumimoji="1" lang="en-US" altLang="zh-CN" dirty="0" smtClean="0"/>
+              <a:t>Naïve Bayesian</a:t>
+            </a:r>
+            <a:endParaRPr kumimoji="1" lang="zh-CN" altLang="en-US" dirty="0"/>
+          </a:p>
+        </p:txBody>
+      </p:sp>
+      <p:sp>
+        <p:nvSpPr>
+          <p:cNvPr id="3" name="内容占位符 2"/>
+          <p:cNvSpPr>
+            <a:spLocks noGrp="1"/>
+          </p:cNvSpPr>
+          <p:nvPr>
+            <p:ph idx="1"/>
+          </p:nvPr>
+        </p:nvSpPr>
+        <p:spPr/>
+        <p:txBody>
+          <a:bodyPr/>
+          <a:lstStyle/>
+          <a:p>
+            <a:endParaRPr kumimoji="1" lang="zh-CN" altLang="en-US"/>
+          </a:p>
+        </p:txBody>
+      </p:sp>
+    </p:spTree>
+    <p:extLst>
+      <p:ext uri="{BB962C8B-B14F-4D97-AF65-F5344CB8AC3E}">
+        <p14:creationId xmlns:p14="http://schemas.microsoft.com/office/powerpoint/2010/main" val="146830157"/>
+      </p:ext>
+    </p:extLst>
+  </p:cSld>
+  <p:clrMapOvr>
+    <a:masterClrMapping/>
+  </p:clrMapOvr>
+</p:sld>
+</file>
+
+<file path=ppt/slides/slide12.xml><?xml version="1.0" encoding="utf-8"?>
+<p:sld xmlns:a="http://schemas.openxmlformats.org/drawingml/2006/main" xmlns:r="http://schemas.openxmlformats.org/officeDocument/2006/relationships" xmlns:p="http://schemas.openxmlformats.org/presentationml/2006/main">
+  <p:cSld>
+    <p:spTree>
+      <p:nvGrpSpPr>
+        <p:cNvPr id="1" name=""/>
+        <p:cNvGrpSpPr/>
+        <p:nvPr/>
+      </p:nvGrpSpPr>
+      <p:grpSpPr>
+        <a:xfrm>
+          <a:off x="0" y="0"/>
+          <a:ext cx="0" cy="0"/>
+          <a:chOff x="0" y="0"/>
+          <a:chExt cx="0" cy="0"/>
+        </a:xfrm>
+      </p:grpSpPr>
+      <p:sp>
+        <p:nvSpPr>
+          <p:cNvPr id="2" name="标题 1"/>
+          <p:cNvSpPr>
+            <a:spLocks noGrp="1"/>
+          </p:cNvSpPr>
+          <p:nvPr>
+            <p:ph type="title"/>
+          </p:nvPr>
+        </p:nvSpPr>
+        <p:spPr/>
+        <p:txBody>
+          <a:bodyPr/>
+          <a:lstStyle/>
+          <a:p>
+            <a:r>
+              <a:rPr kumimoji="1" lang="en-US" altLang="zh-CN" dirty="0" smtClean="0"/>
               <a:t>Logistic regression</a:t>
             </a:r>
             <a:endParaRPr kumimoji="1" lang="zh-CN" altLang="en-US" dirty="0"/>
@@ -3556,8 +3618,8 @@
         </p:nvSpPr>
         <p:spPr>
           <a:xfrm>
-            <a:off x="457200" y="1659466"/>
-            <a:ext cx="8229600" cy="4060296"/>
+            <a:off x="457200" y="1383770"/>
+            <a:ext cx="8229600" cy="5101697"/>
           </a:xfrm>
         </p:spPr>
         <p:txBody>
@@ -3585,14 +3647,37 @@
             <a:pPr lvl="1"/>
             <a:r>
               <a:rPr kumimoji="1" lang="en-US" altLang="zh-CN" dirty="0"/>
-              <a:t>Binary Extraction</a:t>
+              <a:t>Binary </a:t>
+            </a:r>
+            <a:r>
+              <a:rPr kumimoji="1" lang="en-US" altLang="zh-CN" dirty="0" smtClean="0"/>
+              <a:t>Extraction</a:t>
             </a:r>
           </a:p>
           <a:p>
             <a:pPr marL="457200" lvl="1" indent="0">
               <a:buNone/>
             </a:pPr>
-            <a:endParaRPr kumimoji="1" lang="en-US" altLang="zh-CN" dirty="0" smtClean="0"/>
+            <a:r>
+              <a:rPr kumimoji="1" lang="en-US" altLang="zh-CN" sz="2400" dirty="0" smtClean="0"/>
+              <a:t>App Category:     Game     Social</a:t>
+            </a:r>
+            <a:endParaRPr kumimoji="1" lang="en-US" altLang="zh-CN" sz="2400" dirty="0"/>
+          </a:p>
+          <a:p>
+            <a:pPr marL="457200" lvl="1" indent="0">
+              <a:buNone/>
+            </a:pPr>
+            <a:r>
+              <a:rPr kumimoji="1" lang="en-US" altLang="zh-CN" sz="2400" dirty="0" smtClean="0"/>
+              <a:t>Features:                   1              0 </a:t>
+            </a:r>
+          </a:p>
+          <a:p>
+            <a:pPr marL="457200" lvl="1" indent="0">
+              <a:buNone/>
+            </a:pPr>
+            <a:endParaRPr kumimoji="1" lang="en-US" altLang="zh-CN" sz="2400" dirty="0" smtClean="0"/>
           </a:p>
           <a:p>
             <a:r>
@@ -3613,6 +3698,146 @@
           </a:p>
         </p:txBody>
       </p:sp>
+      <p:cxnSp>
+        <p:nvCxnSpPr>
+          <p:cNvPr id="5" name="直线连接符 4"/>
+          <p:cNvCxnSpPr/>
+          <p:nvPr/>
+        </p:nvCxnSpPr>
+        <p:spPr>
+          <a:xfrm>
+            <a:off x="4250267" y="2912533"/>
+            <a:ext cx="558800" cy="474134"/>
+          </a:xfrm>
+          <a:prstGeom prst="line">
+            <a:avLst/>
+          </a:prstGeom>
+          <a:ln w="38100" cmpd="sng">
+            <a:solidFill>
+              <a:srgbClr val="FF0000"/>
+            </a:solidFill>
+          </a:ln>
+        </p:spPr>
+        <p:style>
+          <a:lnRef idx="2">
+            <a:schemeClr val="accent1"/>
+          </a:lnRef>
+          <a:fillRef idx="0">
+            <a:schemeClr val="accent1"/>
+          </a:fillRef>
+          <a:effectRef idx="1">
+            <a:schemeClr val="accent1"/>
+          </a:effectRef>
+          <a:fontRef idx="minor">
+            <a:schemeClr val="tx1"/>
+          </a:fontRef>
+        </p:style>
+      </p:cxnSp>
+      <p:cxnSp>
+        <p:nvCxnSpPr>
+          <p:cNvPr id="6" name="直线连接符 5"/>
+          <p:cNvCxnSpPr/>
+          <p:nvPr/>
+        </p:nvCxnSpPr>
+        <p:spPr>
+          <a:xfrm flipV="1">
+            <a:off x="4250267" y="2946400"/>
+            <a:ext cx="558800" cy="457200"/>
+          </a:xfrm>
+          <a:prstGeom prst="line">
+            <a:avLst/>
+          </a:prstGeom>
+          <a:ln w="38100" cmpd="sng">
+            <a:solidFill>
+              <a:srgbClr val="FF0000"/>
+            </a:solidFill>
+          </a:ln>
+        </p:spPr>
+        <p:style>
+          <a:lnRef idx="2">
+            <a:schemeClr val="accent1"/>
+          </a:lnRef>
+          <a:fillRef idx="0">
+            <a:schemeClr val="accent1"/>
+          </a:fillRef>
+          <a:effectRef idx="1">
+            <a:schemeClr val="accent1"/>
+          </a:effectRef>
+          <a:fontRef idx="minor">
+            <a:schemeClr val="tx1"/>
+          </a:fontRef>
+        </p:style>
+      </p:cxnSp>
+      <p:cxnSp>
+        <p:nvCxnSpPr>
+          <p:cNvPr id="8" name="直线连接符 7"/>
+          <p:cNvCxnSpPr/>
+          <p:nvPr/>
+        </p:nvCxnSpPr>
+        <p:spPr>
+          <a:xfrm flipV="1">
+            <a:off x="3369733" y="2929467"/>
+            <a:ext cx="558800" cy="457200"/>
+          </a:xfrm>
+          <a:prstGeom prst="line">
+            <a:avLst/>
+          </a:prstGeom>
+          <a:ln w="38100" cmpd="sng">
+            <a:solidFill>
+              <a:srgbClr val="FF0000"/>
+            </a:solidFill>
+          </a:ln>
+        </p:spPr>
+        <p:style>
+          <a:lnRef idx="2">
+            <a:schemeClr val="accent1"/>
+          </a:lnRef>
+          <a:fillRef idx="0">
+            <a:schemeClr val="accent1"/>
+          </a:fillRef>
+          <a:effectRef idx="1">
+            <a:schemeClr val="accent1"/>
+          </a:effectRef>
+          <a:fontRef idx="minor">
+            <a:schemeClr val="tx1"/>
+          </a:fontRef>
+        </p:style>
+      </p:cxnSp>
+      <p:cxnSp>
+        <p:nvCxnSpPr>
+          <p:cNvPr id="9" name="直线连接符 8"/>
+          <p:cNvCxnSpPr/>
+          <p:nvPr/>
+        </p:nvCxnSpPr>
+        <p:spPr>
+          <a:xfrm flipH="1" flipV="1">
+            <a:off x="3217333" y="3251200"/>
+            <a:ext cx="152400" cy="152400"/>
+          </a:xfrm>
+          <a:prstGeom prst="line">
+            <a:avLst/>
+          </a:prstGeom>
+          <a:ln w="38100" cmpd="sng">
+            <a:solidFill>
+              <a:srgbClr val="FF0000"/>
+            </a:solidFill>
+          </a:ln>
+        </p:spPr>
+        <p:style>
+          <a:lnRef idx="2">
+            <a:schemeClr val="accent1"/>
+          </a:lnRef>
+          <a:fillRef idx="0">
+            <a:schemeClr val="accent1"/>
+          </a:fillRef>
+          <a:effectRef idx="1">
+            <a:schemeClr val="accent1"/>
+          </a:effectRef>
+          <a:fontRef idx="minor">
+            <a:schemeClr val="tx1"/>
+          </a:fontRef>
+        </p:style>
+      </p:cxnSp>
     </p:spTree>
     <p:extLst>
       <p:ext uri="{BB962C8B-B14F-4D97-AF65-F5344CB8AC3E}">
@@ -3633,7 +3858,133 @@
 </p:sld>
 </file>
 
-<file path=ppt/slides/slide12.xml><?xml version="1.0" encoding="utf-8"?>
+<file path=ppt/slides/slide13.xml><?xml version="1.0" encoding="utf-8"?>
+<p:sld xmlns:a="http://schemas.openxmlformats.org/drawingml/2006/main" xmlns:r="http://schemas.openxmlformats.org/officeDocument/2006/relationships" xmlns:p="http://schemas.openxmlformats.org/presentationml/2006/main">
+  <p:cSld>
+    <p:spTree>
+      <p:nvGrpSpPr>
+        <p:cNvPr id="1" name=""/>
+        <p:cNvGrpSpPr/>
+        <p:nvPr/>
+      </p:nvGrpSpPr>
+      <p:grpSpPr>
+        <a:xfrm>
+          <a:off x="0" y="0"/>
+          <a:ext cx="0" cy="0"/>
+          <a:chOff x="0" y="0"/>
+          <a:chExt cx="0" cy="0"/>
+        </a:xfrm>
+      </p:grpSpPr>
+      <p:sp>
+        <p:nvSpPr>
+          <p:cNvPr id="2" name="标题 1"/>
+          <p:cNvSpPr>
+            <a:spLocks noGrp="1"/>
+          </p:cNvSpPr>
+          <p:nvPr>
+            <p:ph type="title"/>
+          </p:nvPr>
+        </p:nvSpPr>
+        <p:spPr/>
+        <p:txBody>
+          <a:bodyPr/>
+          <a:lstStyle/>
+          <a:p>
+            <a:r>
+              <a:rPr kumimoji="1" lang="en-US" altLang="zh-CN" dirty="0" smtClean="0"/>
+              <a:t>Neural Network</a:t>
+            </a:r>
+            <a:endParaRPr kumimoji="1" lang="zh-CN" altLang="en-US" dirty="0"/>
+          </a:p>
+        </p:txBody>
+      </p:sp>
+      <p:sp>
+        <p:nvSpPr>
+          <p:cNvPr id="3" name="内容占位符 2"/>
+          <p:cNvSpPr>
+            <a:spLocks noGrp="1"/>
+          </p:cNvSpPr>
+          <p:nvPr>
+            <p:ph idx="1"/>
+          </p:nvPr>
+        </p:nvSpPr>
+        <p:spPr/>
+        <p:txBody>
+          <a:bodyPr>
+            <a:normAutofit/>
+          </a:bodyPr>
+          <a:lstStyle/>
+          <a:p>
+            <a:pPr marL="0" indent="0">
+              <a:buNone/>
+            </a:pPr>
+            <a:endParaRPr kumimoji="1" lang="en-US" altLang="zh-CN" dirty="0" smtClean="0"/>
+          </a:p>
+          <a:p>
+            <a:r>
+              <a:rPr kumimoji="1" lang="en-US" altLang="zh-CN" dirty="0" smtClean="0"/>
+              <a:t>Don’t need to preprocess data</a:t>
+            </a:r>
+          </a:p>
+          <a:p>
+            <a:pPr lvl="1"/>
+            <a:r>
+              <a:rPr kumimoji="1" lang="en-US" altLang="zh-CN" dirty="0" smtClean="0"/>
+              <a:t>Can throw data into the algorithm directly. </a:t>
+            </a:r>
+            <a:endParaRPr kumimoji="1" lang="en-US" altLang="zh-CN" dirty="0"/>
+          </a:p>
+          <a:p>
+            <a:r>
+              <a:rPr kumimoji="1" lang="en-US" altLang="zh-CN" dirty="0" smtClean="0"/>
+              <a:t>Black-box algorithm: </a:t>
+            </a:r>
+          </a:p>
+          <a:p>
+            <a:pPr lvl="1"/>
+            <a:r>
+              <a:rPr kumimoji="1" lang="en-US" altLang="zh-CN" dirty="0" smtClean="0"/>
+              <a:t>Cannot understand the inside mechanism </a:t>
+            </a:r>
+          </a:p>
+          <a:p>
+            <a:r>
+              <a:rPr kumimoji="1" lang="en-US" altLang="zh-CN" dirty="0" smtClean="0"/>
+              <a:t>Limited </a:t>
+            </a:r>
+            <a:r>
+              <a:rPr kumimoji="1" lang="en-US" altLang="zh-CN" dirty="0"/>
+              <a:t>C</a:t>
+            </a:r>
+            <a:r>
+              <a:rPr kumimoji="1" lang="en-US" altLang="zh-CN" dirty="0" smtClean="0"/>
+              <a:t>omputation resource:</a:t>
+            </a:r>
+          </a:p>
+          <a:p>
+            <a:pPr lvl="1"/>
+            <a:r>
+              <a:rPr kumimoji="1" lang="en-US" altLang="zh-CN" dirty="0" smtClean="0"/>
+              <a:t>Cannot make the algorithm converge</a:t>
+            </a:r>
+            <a:endParaRPr kumimoji="1" lang="zh-CN" altLang="en-US" dirty="0"/>
+          </a:p>
+        </p:txBody>
+      </p:sp>
+    </p:spTree>
+    <p:extLst>
+      <p:ext uri="{BB962C8B-B14F-4D97-AF65-F5344CB8AC3E}">
+        <p14:creationId xmlns:p14="http://schemas.microsoft.com/office/powerpoint/2010/main" val="111307763"/>
+      </p:ext>
+    </p:extLst>
+  </p:cSld>
+  <p:clrMapOvr>
+    <a:masterClrMapping/>
+  </p:clrMapOvr>
+</p:sld>
+</file>
+
+<file path=ppt/slides/slide14.xml><?xml version="1.0" encoding="utf-8"?>
 <p:sld xmlns:a="http://schemas.openxmlformats.org/drawingml/2006/main" xmlns:r="http://schemas.openxmlformats.org/officeDocument/2006/relationships" xmlns:p="http://schemas.openxmlformats.org/presentationml/2006/main">
   <p:cSld>
     <p:spTree>
@@ -4221,6 +4572,134 @@
           </a:p>
         </p:txBody>
       </p:sp>
+      <p:cxnSp>
+        <p:nvCxnSpPr>
+          <p:cNvPr id="16" name="直线箭头连接符 15"/>
+          <p:cNvCxnSpPr/>
+          <p:nvPr/>
+        </p:nvCxnSpPr>
+        <p:spPr>
+          <a:xfrm>
+            <a:off x="6835038" y="3890774"/>
+            <a:ext cx="768029" cy="391089"/>
+          </a:xfrm>
+          <a:prstGeom prst="straightConnector1">
+            <a:avLst/>
+          </a:prstGeom>
+          <a:ln w="38100" cmpd="sng">
+            <a:solidFill>
+              <a:srgbClr val="FF0000"/>
+            </a:solidFill>
+            <a:tailEnd type="arrow"/>
+          </a:ln>
+        </p:spPr>
+        <p:style>
+          <a:lnRef idx="2">
+            <a:schemeClr val="accent1"/>
+          </a:lnRef>
+          <a:fillRef idx="0">
+            <a:schemeClr val="accent1"/>
+          </a:fillRef>
+          <a:effectRef idx="1">
+            <a:schemeClr val="accent1"/>
+          </a:effectRef>
+          <a:fontRef idx="minor">
+            <a:schemeClr val="tx1"/>
+          </a:fontRef>
+        </p:style>
+      </p:cxnSp>
+      <p:sp>
+        <p:nvSpPr>
+          <p:cNvPr id="20" name="椭圆 19"/>
+          <p:cNvSpPr/>
+          <p:nvPr/>
+        </p:nvSpPr>
+        <p:spPr>
+          <a:xfrm>
+            <a:off x="6112933" y="4286322"/>
+            <a:ext cx="2353734" cy="778934"/>
+          </a:xfrm>
+          <a:prstGeom prst="ellipse">
+            <a:avLst/>
+          </a:prstGeom>
+          <a:solidFill>
+            <a:srgbClr val="FFFFFF"/>
+          </a:solidFill>
+          <a:ln w="28575" cmpd="sng">
+            <a:solidFill>
+              <a:srgbClr val="FF0000"/>
+            </a:solidFill>
+          </a:ln>
+        </p:spPr>
+        <p:style>
+          <a:lnRef idx="1">
+            <a:schemeClr val="accent1"/>
+          </a:lnRef>
+          <a:fillRef idx="3">
+            <a:schemeClr val="accent1"/>
+          </a:fillRef>
+          <a:effectRef idx="2">
+            <a:schemeClr val="accent1"/>
+          </a:effectRef>
+          <a:fontRef idx="minor">
+            <a:schemeClr val="lt1"/>
+          </a:fontRef>
+        </p:style>
+        <p:txBody>
+          <a:bodyPr rtlCol="0" anchor="ctr"/>
+          <a:lstStyle/>
+          <a:p>
+            <a:pPr algn="ctr"/>
+            <a:endParaRPr kumimoji="1" lang="zh-CN" altLang="en-US"/>
+          </a:p>
+        </p:txBody>
+      </p:sp>
+      <p:sp>
+        <p:nvSpPr>
+          <p:cNvPr id="23" name="标题 1"/>
+          <p:cNvSpPr txBox="1">
+            <a:spLocks/>
+          </p:cNvSpPr>
+          <p:nvPr/>
+        </p:nvSpPr>
+        <p:spPr>
+          <a:xfrm>
+            <a:off x="6333067" y="4286322"/>
+            <a:ext cx="1930400" cy="723372"/>
+          </a:xfrm>
+          <a:prstGeom prst="rect">
+            <a:avLst/>
+          </a:prstGeom>
+        </p:spPr>
+        <p:txBody>
+          <a:bodyPr vert="horz" lIns="91440" tIns="45720" rIns="91440" bIns="45720" rtlCol="0" anchor="ctr">
+            <a:normAutofit/>
+          </a:bodyPr>
+          <a:lstStyle>
+            <a:lvl1pPr algn="ctr" defTabSz="457200" rtl="0" eaLnBrk="1" latinLnBrk="0" hangingPunct="1">
+              <a:spcBef>
+                <a:spcPct val="0"/>
+              </a:spcBef>
+              <a:buNone/>
+              <a:defRPr sz="4400" kern="1200">
+                <a:solidFill>
+                  <a:schemeClr val="tx1"/>
+                </a:solidFill>
+                <a:latin typeface="+mj-lt"/>
+                <a:ea typeface="+mj-ea"/>
+                <a:cs typeface="+mj-cs"/>
+              </a:defRPr>
+            </a:lvl1pPr>
+          </a:lstStyle>
+          <a:p>
+            <a:r>
+              <a:rPr kumimoji="1" lang="en-US" altLang="zh-CN" sz="2400" dirty="0" smtClean="0"/>
+              <a:t>output</a:t>
+            </a:r>
+            <a:endParaRPr kumimoji="1" lang="zh-CN" altLang="en-US" sz="2400" dirty="0"/>
+          </a:p>
+        </p:txBody>
+      </p:sp>
     </p:spTree>
     <p:extLst>
       <p:ext uri="{BB962C8B-B14F-4D97-AF65-F5344CB8AC3E}">
@@ -4241,7 +4720,7 @@
 </p:sld>
 </file>
 
-<file path=ppt/slides/slide13.xml><?xml version="1.0" encoding="utf-8"?>
+<file path=ppt/slides/slide15.xml><?xml version="1.0" encoding="utf-8"?>
 <p:sld xmlns:a="http://schemas.openxmlformats.org/drawingml/2006/main" xmlns:r="http://schemas.openxmlformats.org/officeDocument/2006/relationships" xmlns:p="http://schemas.openxmlformats.org/presentationml/2006/main">
   <p:cSld>
     <p:spTree>
@@ -4297,7 +4776,7 @@
         </p:blipFill>
         <p:spPr>
           <a:xfrm>
-            <a:off x="457200" y="2777066"/>
+            <a:off x="961697" y="2777066"/>
             <a:ext cx="5947508" cy="3591771"/>
           </a:xfrm>
           <a:prstGeom prst="rect">
@@ -4305,6 +4784,100 @@
           </a:prstGeom>
         </p:spPr>
       </p:pic>
+      <p:sp>
+        <p:nvSpPr>
+          <p:cNvPr id="3" name="矩形 2"/>
+          <p:cNvSpPr/>
+          <p:nvPr/>
+        </p:nvSpPr>
+        <p:spPr>
+          <a:xfrm>
+            <a:off x="2667000" y="3505200"/>
+            <a:ext cx="931334" cy="2863637"/>
+          </a:xfrm>
+          <a:prstGeom prst="rect">
+            <a:avLst/>
+          </a:prstGeom>
+          <a:noFill/>
+          <a:ln w="28575" cmpd="sng">
+            <a:solidFill>
+              <a:srgbClr val="FF6600"/>
+            </a:solidFill>
+          </a:ln>
+        </p:spPr>
+        <p:style>
+          <a:lnRef idx="1">
+            <a:schemeClr val="accent1"/>
+          </a:lnRef>
+          <a:fillRef idx="3">
+            <a:schemeClr val="accent1"/>
+          </a:fillRef>
+          <a:effectRef idx="2">
+            <a:schemeClr val="accent1"/>
+          </a:effectRef>
+          <a:fontRef idx="minor">
+            <a:schemeClr val="lt1"/>
+          </a:fontRef>
+        </p:style>
+        <p:txBody>
+          <a:bodyPr rtlCol="0" anchor="ctr"/>
+          <a:lstStyle/>
+          <a:p>
+            <a:pPr algn="ctr"/>
+            <a:endParaRPr kumimoji="1" lang="zh-CN" altLang="en-US"/>
+          </a:p>
+        </p:txBody>
+      </p:sp>
+      <p:sp>
+        <p:nvSpPr>
+          <p:cNvPr id="7" name="内容占位符 2"/>
+          <p:cNvSpPr>
+            <a:spLocks noGrp="1"/>
+          </p:cNvSpPr>
+          <p:nvPr>
+            <p:ph idx="1"/>
+          </p:nvPr>
+        </p:nvSpPr>
+        <p:spPr>
+          <a:xfrm>
+            <a:off x="648560" y="1779599"/>
+            <a:ext cx="8229600" cy="1313230"/>
+          </a:xfrm>
+        </p:spPr>
+        <p:txBody>
+          <a:bodyPr>
+            <a:normAutofit/>
+          </a:bodyPr>
+          <a:lstStyle/>
+          <a:p>
+            <a:r>
+              <a:rPr kumimoji="1" lang="en-US" altLang="zh-CN" sz="2400" dirty="0"/>
+              <a:t>Random Forest has the best performance </a:t>
+            </a:r>
+            <a:endParaRPr kumimoji="1" lang="zh-CN" altLang="en-US" sz="2400" dirty="0"/>
+          </a:p>
+          <a:p>
+            <a:pPr lvl="1"/>
+            <a:r>
+              <a:rPr kumimoji="1" lang="en-US" altLang="zh-CN" sz="2000" dirty="0" smtClean="0"/>
+              <a:t>Due to characteristics of dataset: Categorical Data</a:t>
+            </a:r>
+            <a:endParaRPr kumimoji="1" lang="en-US" altLang="zh-CN" sz="2000" dirty="0"/>
+          </a:p>
+          <a:p>
+            <a:pPr marL="0" indent="0">
+              <a:buNone/>
+            </a:pPr>
+            <a:endParaRPr kumimoji="1" lang="en-US" altLang="zh-CN" sz="2400" dirty="0" smtClean="0"/>
+          </a:p>
+          <a:p>
+            <a:pPr marL="0" indent="0">
+              <a:buNone/>
+            </a:pPr>
+            <a:endParaRPr kumimoji="1" lang="en-US" altLang="zh-CN" sz="2400" dirty="0"/>
+          </a:p>
+        </p:txBody>
+      </p:sp>
     </p:spTree>
     <p:extLst>
       <p:ext uri="{BB962C8B-B14F-4D97-AF65-F5344CB8AC3E}">
@@ -4325,7 +4898,7 @@
 </p:sld>
 </file>
 
-<file path=ppt/slides/slide14.xml><?xml version="1.0" encoding="utf-8"?>
+<file path=ppt/slides/slide16.xml><?xml version="1.0" encoding="utf-8"?>
 <p:sld xmlns:a="http://schemas.openxmlformats.org/drawingml/2006/main" xmlns:r="http://schemas.openxmlformats.org/officeDocument/2006/relationships" xmlns:p="http://schemas.openxmlformats.org/presentationml/2006/main">
   <p:cSld>
     <p:spTree>
@@ -4499,7 +5072,7 @@
 </p:sld>
 </file>
 
-<file path=ppt/slides/slide15.xml><?xml version="1.0" encoding="utf-8"?>
+<file path=ppt/slides/slide17.xml><?xml version="1.0" encoding="utf-8"?>
 <p:sld xmlns:a="http://schemas.openxmlformats.org/drawingml/2006/main" xmlns:r="http://schemas.openxmlformats.org/officeDocument/2006/relationships" xmlns:p="http://schemas.openxmlformats.org/presentationml/2006/main">
   <p:cSld>
     <p:spTree>
@@ -5160,6 +5733,13 @@
   <p:clrMapOvr>
     <a:masterClrMapping/>
   </p:clrMapOvr>
+  <p:timing>
+    <p:tnLst>
+      <p:par>
+        <p:cTn xmlns:p14="http://schemas.microsoft.com/office/powerpoint/2010/main" id="1" dur="indefinite" restart="never" nodeType="tmRoot"/>
+      </p:par>
+    </p:tnLst>
+  </p:timing>
 </p:sld>
 </file>
 
@@ -6324,7 +6904,7 @@
         </p:spPr>
         <p:txBody>
           <a:bodyPr vert="horz" lIns="91440" tIns="45720" rIns="91440" bIns="45720" rtlCol="0" anchor="ctr">
-            <a:normAutofit/>
+            <a:normAutofit fontScale="85000" lnSpcReduction="20000"/>
           </a:bodyPr>
           <a:lstStyle>
             <a:lvl1pPr algn="ctr" defTabSz="457200" rtl="0" eaLnBrk="1" latinLnBrk="0" hangingPunct="1">
@@ -6366,6 +6946,17 @@
               <a:t>attributes</a:t>
             </a:r>
           </a:p>
+          <a:p>
+            <a:pPr marL="342900" indent="-342900" algn="l">
+              <a:buFont typeface="Wingdings" charset="2"/>
+              <a:buChar char="l"/>
+            </a:pPr>
+            <a:r>
+              <a:rPr kumimoji="1" lang="en-US" altLang="zh-CN" sz="2400" dirty="0" smtClean="0"/>
+              <a:t>Number of value varies from 4 to 10 k.</a:t>
+            </a:r>
+            <a:endParaRPr kumimoji="1" lang="en-US" altLang="zh-CN" sz="2400" dirty="0" smtClean="0"/>
+          </a:p>
         </p:txBody>
       </p:sp>
     </p:spTree>
@@ -6378,6 +6969,13 @@
   <p:clrMapOvr>
     <a:masterClrMapping/>
   </p:clrMapOvr>
+  <p:timing>
+    <p:tnLst>
+      <p:par>
+        <p:cTn xmlns:p14="http://schemas.microsoft.com/office/powerpoint/2010/main" id="1" dur="indefinite" restart="never" nodeType="tmRoot"/>
+      </p:par>
+    </p:tnLst>
+  </p:timing>
 </p:sld>
 </file>
 
@@ -6536,10 +7134,129 @@
   <p:clrMapOvr>
     <a:masterClrMapping/>
   </p:clrMapOvr>
+  <p:timing>
+    <p:tnLst>
+      <p:par>
+        <p:cTn xmlns:p14="http://schemas.microsoft.com/office/powerpoint/2010/main" id="1" dur="indefinite" restart="never" nodeType="tmRoot"/>
+      </p:par>
+    </p:tnLst>
+  </p:timing>
 </p:sld>
 </file>
 
 <file path=ppt/slides/slide6.xml><?xml version="1.0" encoding="utf-8"?>
+<p:sld xmlns:a="http://schemas.openxmlformats.org/drawingml/2006/main" xmlns:r="http://schemas.openxmlformats.org/officeDocument/2006/relationships" xmlns:p="http://schemas.openxmlformats.org/presentationml/2006/main">
+  <p:cSld>
+    <p:spTree>
+      <p:nvGrpSpPr>
+        <p:cNvPr id="1" name=""/>
+        <p:cNvGrpSpPr/>
+        <p:nvPr/>
+      </p:nvGrpSpPr>
+      <p:grpSpPr>
+        <a:xfrm>
+          <a:off x="0" y="0"/>
+          <a:ext cx="0" cy="0"/>
+          <a:chOff x="0" y="0"/>
+          <a:chExt cx="0" cy="0"/>
+        </a:xfrm>
+      </p:grpSpPr>
+      <p:sp>
+        <p:nvSpPr>
+          <p:cNvPr id="2" name="标题 1"/>
+          <p:cNvSpPr>
+            <a:spLocks noGrp="1"/>
+          </p:cNvSpPr>
+          <p:nvPr>
+            <p:ph type="title"/>
+          </p:nvPr>
+        </p:nvSpPr>
+        <p:spPr/>
+        <p:txBody>
+          <a:bodyPr/>
+          <a:lstStyle/>
+          <a:p>
+            <a:r>
+              <a:rPr kumimoji="1" lang="en-US" altLang="zh-CN" dirty="0" smtClean="0"/>
+              <a:t>Evaluation Method</a:t>
+            </a:r>
+            <a:endParaRPr kumimoji="1" lang="zh-CN" altLang="en-US" dirty="0"/>
+          </a:p>
+        </p:txBody>
+      </p:sp>
+      <p:sp>
+        <p:nvSpPr>
+          <p:cNvPr id="4" name="内容占位符 2"/>
+          <p:cNvSpPr>
+            <a:spLocks noGrp="1"/>
+          </p:cNvSpPr>
+          <p:nvPr>
+            <p:ph idx="1"/>
+          </p:nvPr>
+        </p:nvSpPr>
+        <p:spPr>
+          <a:xfrm>
+            <a:off x="457200" y="1600200"/>
+            <a:ext cx="3318933" cy="872067"/>
+          </a:xfrm>
+        </p:spPr>
+        <p:txBody>
+          <a:bodyPr/>
+          <a:lstStyle/>
+          <a:p>
+            <a:r>
+              <a:rPr kumimoji="1" lang="en-US" altLang="zh-CN" dirty="0" smtClean="0"/>
+              <a:t>ROC and AUC</a:t>
+            </a:r>
+            <a:endParaRPr kumimoji="1" lang="zh-CN" altLang="en-US" dirty="0"/>
+          </a:p>
+        </p:txBody>
+      </p:sp>
+      <p:pic>
+        <p:nvPicPr>
+          <p:cNvPr id="5" name="图片 4"/>
+          <p:cNvPicPr>
+            <a:picLocks noChangeAspect="1"/>
+          </p:cNvPicPr>
+          <p:nvPr/>
+        </p:nvPicPr>
+        <p:blipFill>
+          <a:blip r:embed="rId2"/>
+          <a:stretch>
+            <a:fillRect/>
+          </a:stretch>
+        </p:blipFill>
+        <p:spPr>
+          <a:xfrm>
+            <a:off x="338667" y="2472267"/>
+            <a:ext cx="5182142" cy="3733800"/>
+          </a:xfrm>
+          <a:prstGeom prst="rect">
+            <a:avLst/>
+          </a:prstGeom>
+        </p:spPr>
+      </p:pic>
+    </p:spTree>
+    <p:extLst>
+      <p:ext uri="{BB962C8B-B14F-4D97-AF65-F5344CB8AC3E}">
+        <p14:creationId xmlns:p14="http://schemas.microsoft.com/office/powerpoint/2010/main" val="1763278488"/>
+      </p:ext>
+    </p:extLst>
+  </p:cSld>
+  <p:clrMapOvr>
+    <a:masterClrMapping/>
+  </p:clrMapOvr>
+  <p:timing>
+    <p:tnLst>
+      <p:par>
+        <p:cTn xmlns:p14="http://schemas.microsoft.com/office/powerpoint/2010/main" id="1" dur="indefinite" restart="never" nodeType="tmRoot"/>
+      </p:par>
+    </p:tnLst>
+  </p:timing>
+</p:sld>
+</file>
+
+<file path=ppt/slides/slide7.xml><?xml version="1.0" encoding="utf-8"?>
 <p:sld xmlns:a="http://schemas.openxmlformats.org/drawingml/2006/main" xmlns:r="http://schemas.openxmlformats.org/officeDocument/2006/relationships" xmlns:p="http://schemas.openxmlformats.org/presentationml/2006/main">
   <p:cSld>
     <p:spTree>
@@ -6793,111 +7510,6 @@
 </p:sld>
 </file>
 
-<file path=ppt/slides/slide7.xml><?xml version="1.0" encoding="utf-8"?>
-<p:sld xmlns:a="http://schemas.openxmlformats.org/drawingml/2006/main" xmlns:r="http://schemas.openxmlformats.org/officeDocument/2006/relationships" xmlns:p="http://schemas.openxmlformats.org/presentationml/2006/main">
-  <p:cSld>
-    <p:spTree>
-      <p:nvGrpSpPr>
-        <p:cNvPr id="1" name=""/>
-        <p:cNvGrpSpPr/>
-        <p:nvPr/>
-      </p:nvGrpSpPr>
-      <p:grpSpPr>
-        <a:xfrm>
-          <a:off x="0" y="0"/>
-          <a:ext cx="0" cy="0"/>
-          <a:chOff x="0" y="0"/>
-          <a:chExt cx="0" cy="0"/>
-        </a:xfrm>
-      </p:grpSpPr>
-      <p:sp>
-        <p:nvSpPr>
-          <p:cNvPr id="2" name="标题 1"/>
-          <p:cNvSpPr>
-            <a:spLocks noGrp="1"/>
-          </p:cNvSpPr>
-          <p:nvPr>
-            <p:ph type="title"/>
-          </p:nvPr>
-        </p:nvSpPr>
-        <p:spPr/>
-        <p:txBody>
-          <a:bodyPr/>
-          <a:lstStyle/>
-          <a:p>
-            <a:r>
-              <a:rPr kumimoji="1" lang="en-US" altLang="zh-CN" dirty="0" smtClean="0"/>
-              <a:t>Evaluation Method</a:t>
-            </a:r>
-            <a:endParaRPr kumimoji="1" lang="zh-CN" altLang="en-US" dirty="0"/>
-          </a:p>
-        </p:txBody>
-      </p:sp>
-      <p:sp>
-        <p:nvSpPr>
-          <p:cNvPr id="4" name="内容占位符 2"/>
-          <p:cNvSpPr>
-            <a:spLocks noGrp="1"/>
-          </p:cNvSpPr>
-          <p:nvPr>
-            <p:ph idx="1"/>
-          </p:nvPr>
-        </p:nvSpPr>
-        <p:spPr>
-          <a:xfrm>
-            <a:off x="457200" y="1600200"/>
-            <a:ext cx="3318933" cy="872067"/>
-          </a:xfrm>
-        </p:spPr>
-        <p:txBody>
-          <a:bodyPr/>
-          <a:lstStyle/>
-          <a:p>
-            <a:r>
-              <a:rPr kumimoji="1" lang="en-US" altLang="zh-CN" dirty="0" smtClean="0"/>
-              <a:t>ROC and AUC</a:t>
-            </a:r>
-            <a:endParaRPr kumimoji="1" lang="zh-CN" altLang="en-US" dirty="0"/>
-          </a:p>
-        </p:txBody>
-      </p:sp>
-      <p:pic>
-        <p:nvPicPr>
-          <p:cNvPr id="5" name="图片 4"/>
-          <p:cNvPicPr>
-            <a:picLocks noChangeAspect="1"/>
-          </p:cNvPicPr>
-          <p:nvPr/>
-        </p:nvPicPr>
-        <p:blipFill>
-          <a:blip r:embed="rId2"/>
-          <a:stretch>
-            <a:fillRect/>
-          </a:stretch>
-        </p:blipFill>
-        <p:spPr>
-          <a:xfrm>
-            <a:off x="338667" y="2472267"/>
-            <a:ext cx="5182142" cy="3733800"/>
-          </a:xfrm>
-          <a:prstGeom prst="rect">
-            <a:avLst/>
-          </a:prstGeom>
-        </p:spPr>
-      </p:pic>
-    </p:spTree>
-    <p:extLst>
-      <p:ext uri="{BB962C8B-B14F-4D97-AF65-F5344CB8AC3E}">
-        <p14:creationId xmlns:p14="http://schemas.microsoft.com/office/powerpoint/2010/main" val="1763278488"/>
-      </p:ext>
-    </p:extLst>
-  </p:cSld>
-  <p:clrMapOvr>
-    <a:masterClrMapping/>
-  </p:clrMapOvr>
-</p:sld>
-</file>
-
 <file path=ppt/slides/slide8.xml><?xml version="1.0" encoding="utf-8"?>
 <p:sld xmlns:a="http://schemas.openxmlformats.org/drawingml/2006/main" xmlns:r="http://schemas.openxmlformats.org/officeDocument/2006/relationships" xmlns:p="http://schemas.openxmlformats.org/presentationml/2006/main">
   <p:cSld>
@@ -6961,6 +7573,12 @@
             <a:r>
               <a:rPr kumimoji="1" lang="en-US" altLang="zh-CN" dirty="0" smtClean="0"/>
               <a:t>Decision Tree</a:t>
+            </a:r>
+          </a:p>
+          <a:p>
+            <a:r>
+              <a:rPr kumimoji="1" lang="en-US" altLang="zh-CN" dirty="0" smtClean="0"/>
+              <a:t>Random Forest</a:t>
             </a:r>
           </a:p>
           <a:p>
@@ -7077,15 +7695,7 @@
             <a:pPr algn="l"/>
             <a:r>
               <a:rPr kumimoji="1" lang="en-US" altLang="zh-CN" sz="2400" dirty="0" smtClean="0"/>
-              <a:t>Choice </a:t>
-            </a:r>
-            <a:r>
-              <a:rPr kumimoji="1" lang="en-US" altLang="zh-CN" sz="2400" dirty="0" err="1" smtClean="0"/>
-              <a:t>oare</a:t>
-            </a:r>
-            <a:r>
-              <a:rPr kumimoji="1" lang="en-US" altLang="zh-CN" sz="2400" dirty="0" smtClean="0"/>
-              <a:t> limited due to Categorical data</a:t>
+              <a:t>Choice are limited due to Categorical data</a:t>
             </a:r>
             <a:endParaRPr kumimoji="1" lang="en-US" altLang="zh-CN" sz="2400" dirty="0"/>
           </a:p>

--- a/project_presentation.pptx
+++ b/project_presentation.pptx
@@ -9,8 +9,8 @@
     <p:sldId id="266" r:id="rId3"/>
     <p:sldId id="269" r:id="rId4"/>
     <p:sldId id="257" r:id="rId5"/>
-    <p:sldId id="273" r:id="rId6"/>
-    <p:sldId id="267" r:id="rId7"/>
+    <p:sldId id="267" r:id="rId6"/>
+    <p:sldId id="273" r:id="rId7"/>
     <p:sldId id="271" r:id="rId8"/>
     <p:sldId id="260" r:id="rId9"/>
     <p:sldId id="263" r:id="rId10"/>
@@ -304,7 +304,7 @@
           <a:p>
             <a:fld id="{B6022033-D2F4-E946-94A1-5985CC57DEEE}" type="datetimeFigureOut">
               <a:rPr kumimoji="1" lang="zh-CN" altLang="en-US" smtClean="0"/>
-              <a:t>3/9/15</a:t>
+              <a:t>3/10/15</a:t>
             </a:fld>
             <a:endParaRPr kumimoji="1" lang="zh-CN" altLang="en-US"/>
           </a:p>
@@ -474,7 +474,7 @@
           <a:p>
             <a:fld id="{B6022033-D2F4-E946-94A1-5985CC57DEEE}" type="datetimeFigureOut">
               <a:rPr kumimoji="1" lang="zh-CN" altLang="en-US" smtClean="0"/>
-              <a:t>3/9/15</a:t>
+              <a:t>3/10/15</a:t>
             </a:fld>
             <a:endParaRPr kumimoji="1" lang="zh-CN" altLang="en-US"/>
           </a:p>
@@ -654,7 +654,7 @@
           <a:p>
             <a:fld id="{B6022033-D2F4-E946-94A1-5985CC57DEEE}" type="datetimeFigureOut">
               <a:rPr kumimoji="1" lang="zh-CN" altLang="en-US" smtClean="0"/>
-              <a:t>3/9/15</a:t>
+              <a:t>3/10/15</a:t>
             </a:fld>
             <a:endParaRPr kumimoji="1" lang="zh-CN" altLang="en-US"/>
           </a:p>
@@ -824,7 +824,7 @@
           <a:p>
             <a:fld id="{B6022033-D2F4-E946-94A1-5985CC57DEEE}" type="datetimeFigureOut">
               <a:rPr kumimoji="1" lang="zh-CN" altLang="en-US" smtClean="0"/>
-              <a:t>3/9/15</a:t>
+              <a:t>3/10/15</a:t>
             </a:fld>
             <a:endParaRPr kumimoji="1" lang="zh-CN" altLang="en-US"/>
           </a:p>
@@ -1070,7 +1070,7 @@
           <a:p>
             <a:fld id="{B6022033-D2F4-E946-94A1-5985CC57DEEE}" type="datetimeFigureOut">
               <a:rPr kumimoji="1" lang="zh-CN" altLang="en-US" smtClean="0"/>
-              <a:t>3/9/15</a:t>
+              <a:t>3/10/15</a:t>
             </a:fld>
             <a:endParaRPr kumimoji="1" lang="zh-CN" altLang="en-US"/>
           </a:p>
@@ -1358,7 +1358,7 @@
           <a:p>
             <a:fld id="{B6022033-D2F4-E946-94A1-5985CC57DEEE}" type="datetimeFigureOut">
               <a:rPr kumimoji="1" lang="zh-CN" altLang="en-US" smtClean="0"/>
-              <a:t>3/9/15</a:t>
+              <a:t>3/10/15</a:t>
             </a:fld>
             <a:endParaRPr kumimoji="1" lang="zh-CN" altLang="en-US"/>
           </a:p>
@@ -1780,7 +1780,7 @@
           <a:p>
             <a:fld id="{B6022033-D2F4-E946-94A1-5985CC57DEEE}" type="datetimeFigureOut">
               <a:rPr kumimoji="1" lang="zh-CN" altLang="en-US" smtClean="0"/>
-              <a:t>3/9/15</a:t>
+              <a:t>3/10/15</a:t>
             </a:fld>
             <a:endParaRPr kumimoji="1" lang="zh-CN" altLang="en-US"/>
           </a:p>
@@ -1898,7 +1898,7 @@
           <a:p>
             <a:fld id="{B6022033-D2F4-E946-94A1-5985CC57DEEE}" type="datetimeFigureOut">
               <a:rPr kumimoji="1" lang="zh-CN" altLang="en-US" smtClean="0"/>
-              <a:t>3/9/15</a:t>
+              <a:t>3/10/15</a:t>
             </a:fld>
             <a:endParaRPr kumimoji="1" lang="zh-CN" altLang="en-US"/>
           </a:p>
@@ -1993,7 +1993,7 @@
           <a:p>
             <a:fld id="{B6022033-D2F4-E946-94A1-5985CC57DEEE}" type="datetimeFigureOut">
               <a:rPr kumimoji="1" lang="zh-CN" altLang="en-US" smtClean="0"/>
-              <a:t>3/9/15</a:t>
+              <a:t>3/10/15</a:t>
             </a:fld>
             <a:endParaRPr kumimoji="1" lang="zh-CN" altLang="en-US"/>
           </a:p>
@@ -2270,7 +2270,7 @@
           <a:p>
             <a:fld id="{B6022033-D2F4-E946-94A1-5985CC57DEEE}" type="datetimeFigureOut">
               <a:rPr kumimoji="1" lang="zh-CN" altLang="en-US" smtClean="0"/>
-              <a:t>3/9/15</a:t>
+              <a:t>3/10/15</a:t>
             </a:fld>
             <a:endParaRPr kumimoji="1" lang="zh-CN" altLang="en-US"/>
           </a:p>
@@ -2523,7 +2523,7 @@
           <a:p>
             <a:fld id="{B6022033-D2F4-E946-94A1-5985CC57DEEE}" type="datetimeFigureOut">
               <a:rPr kumimoji="1" lang="zh-CN" altLang="en-US" smtClean="0"/>
-              <a:t>3/9/15</a:t>
+              <a:t>3/10/15</a:t>
             </a:fld>
             <a:endParaRPr kumimoji="1" lang="zh-CN" altLang="en-US"/>
           </a:p>
@@ -2736,7 +2736,7 @@
           <a:p>
             <a:fld id="{B6022033-D2F4-E946-94A1-5985CC57DEEE}" type="datetimeFigureOut">
               <a:rPr kumimoji="1" lang="zh-CN" altLang="en-US" smtClean="0"/>
-              <a:t>3/9/15</a:t>
+              <a:t>3/10/15</a:t>
             </a:fld>
             <a:endParaRPr kumimoji="1" lang="zh-CN" altLang="en-US"/>
           </a:p>
@@ -3481,6 +3481,63 @@
           </a:p>
         </p:txBody>
       </p:sp>
+      <p:sp>
+        <p:nvSpPr>
+          <p:cNvPr id="3" name="内容占位符 6"/>
+          <p:cNvSpPr>
+            <a:spLocks noGrp="1"/>
+          </p:cNvSpPr>
+          <p:nvPr>
+            <p:ph idx="1"/>
+          </p:nvPr>
+        </p:nvSpPr>
+        <p:spPr>
+          <a:xfrm>
+            <a:off x="457200" y="1600200"/>
+            <a:ext cx="8229600" cy="4525963"/>
+          </a:xfrm>
+        </p:spPr>
+        <p:txBody>
+          <a:bodyPr>
+            <a:normAutofit/>
+          </a:bodyPr>
+          <a:lstStyle/>
+          <a:p>
+            <a:endParaRPr kumimoji="1" lang="en-US" altLang="zh-CN" dirty="0" smtClean="0"/>
+          </a:p>
+          <a:p>
+            <a:r>
+              <a:rPr kumimoji="1" lang="en-US" altLang="zh-CN" dirty="0" smtClean="0"/>
+              <a:t>Constructing </a:t>
+            </a:r>
+            <a:r>
+              <a:rPr kumimoji="1" lang="en-US" altLang="zh-CN" dirty="0"/>
+              <a:t>a multitude of decision trees</a:t>
+            </a:r>
+          </a:p>
+          <a:p>
+            <a:r>
+              <a:rPr kumimoji="1" lang="en-US" altLang="zh-CN" dirty="0" smtClean="0"/>
+              <a:t>Choose the best tree from a subset of features</a:t>
+            </a:r>
+            <a:endParaRPr kumimoji="1" lang="en-US" altLang="zh-CN" dirty="0"/>
+          </a:p>
+          <a:p>
+            <a:r>
+              <a:rPr kumimoji="1" lang="en-US" altLang="zh-CN" dirty="0" smtClean="0"/>
+              <a:t>Prevent over fitting</a:t>
+            </a:r>
+            <a:endParaRPr kumimoji="1" lang="en-US" altLang="zh-CN" dirty="0"/>
+          </a:p>
+          <a:p>
+            <a:pPr lvl="1"/>
+            <a:r>
+              <a:rPr kumimoji="1" lang="en-US" altLang="zh-CN" dirty="0" smtClean="0"/>
+              <a:t>Combine classifiers by averaging all the single trees.</a:t>
+            </a:r>
+          </a:p>
+        </p:txBody>
+      </p:sp>
     </p:spTree>
     <p:extLst>
       <p:ext uri="{BB962C8B-B14F-4D97-AF65-F5344CB8AC3E}">
@@ -3534,9 +3591,33 @@
           </a:p>
         </p:txBody>
       </p:sp>
-      <p:sp>
-        <p:nvSpPr>
-          <p:cNvPr id="3" name="内容占位符 2"/>
+      <p:pic>
+        <p:nvPicPr>
+          <p:cNvPr id="6" name="图片 5"/>
+          <p:cNvPicPr>
+            <a:picLocks noChangeAspect="1"/>
+          </p:cNvPicPr>
+          <p:nvPr/>
+        </p:nvPicPr>
+        <p:blipFill>
+          <a:blip r:embed="rId2"/>
+          <a:stretch>
+            <a:fillRect/>
+          </a:stretch>
+        </p:blipFill>
+        <p:spPr>
+          <a:xfrm>
+            <a:off x="2827866" y="1633538"/>
+            <a:ext cx="3454400" cy="1041400"/>
+          </a:xfrm>
+          <a:prstGeom prst="rect">
+            <a:avLst/>
+          </a:prstGeom>
+        </p:spPr>
+      </p:pic>
+      <p:sp>
+        <p:nvSpPr>
+          <p:cNvPr id="7" name="内容占位符 2"/>
           <p:cNvSpPr>
             <a:spLocks noGrp="1"/>
           </p:cNvSpPr>
@@ -3544,12 +3625,44 @@
             <p:ph idx="1"/>
           </p:nvPr>
         </p:nvSpPr>
-        <p:spPr/>
-        <p:txBody>
-          <a:bodyPr/>
+        <p:spPr>
+          <a:xfrm>
+            <a:off x="457200" y="1417638"/>
+            <a:ext cx="8229600" cy="4708525"/>
+          </a:xfrm>
+        </p:spPr>
+        <p:txBody>
+          <a:bodyPr>
+            <a:normAutofit/>
+          </a:bodyPr>
           <a:lstStyle/>
           <a:p>
-            <a:endParaRPr kumimoji="1" lang="zh-CN" altLang="en-US"/>
+            <a:pPr marL="0" indent="0">
+              <a:buNone/>
+            </a:pPr>
+            <a:endParaRPr kumimoji="1" lang="en-US" altLang="zh-CN" dirty="0" smtClean="0"/>
+          </a:p>
+          <a:p>
+            <a:endParaRPr kumimoji="1" lang="en-US" altLang="zh-CN" dirty="0" smtClean="0"/>
+          </a:p>
+          <a:p>
+            <a:r>
+              <a:rPr kumimoji="1" lang="en-US" altLang="zh-CN" dirty="0" smtClean="0"/>
+              <a:t>Fit for categorical data and classification</a:t>
+            </a:r>
+          </a:p>
+          <a:p>
+            <a:r>
+              <a:rPr kumimoji="1" lang="en-US" altLang="zh-CN" dirty="0" smtClean="0"/>
+              <a:t>Few attributes have strong correlation.</a:t>
+            </a:r>
+          </a:p>
+          <a:p>
+            <a:pPr lvl="1"/>
+            <a:r>
+              <a:rPr kumimoji="1" lang="en-US" altLang="zh-CN" dirty="0" smtClean="0"/>
+              <a:t>Independent assumption</a:t>
+            </a:r>
           </a:p>
         </p:txBody>
       </p:sp>
@@ -3636,6 +3749,17 @@
           <a:p>
             <a:r>
               <a:rPr kumimoji="1" lang="en-US" altLang="zh-CN" dirty="0" smtClean="0"/>
+              <a:t>Dea</a:t>
+            </a:r>
+            <a:r>
+              <a:rPr kumimoji="1" lang="en-US" altLang="zh-CN" dirty="0" smtClean="0"/>
+              <a:t>l with numerical data only</a:t>
+            </a:r>
+            <a:endParaRPr kumimoji="1" lang="en-US" altLang="zh-CN" dirty="0" smtClean="0"/>
+          </a:p>
+          <a:p>
+            <a:r>
+              <a:rPr kumimoji="1" lang="en-US" altLang="zh-CN" dirty="0" smtClean="0"/>
               <a:t>Convert </a:t>
             </a:r>
             <a:r>
@@ -3689,11 +3813,12 @@
             <a:pPr lvl="1"/>
             <a:r>
               <a:rPr kumimoji="1" lang="en-US" altLang="zh-CN" dirty="0"/>
-              <a:t>Drop values with little appearance</a:t>
-            </a:r>
-          </a:p>
-          <a:p>
-            <a:pPr lvl="1"/>
+              <a:t>Drop </a:t>
+            </a:r>
+            <a:r>
+              <a:rPr kumimoji="1" lang="en-US" altLang="zh-CN" dirty="0" smtClean="0"/>
+              <a:t>infrequent values</a:t>
+            </a:r>
             <a:endParaRPr kumimoji="1" lang="en-US" altLang="zh-CN" dirty="0"/>
           </a:p>
         </p:txBody>
@@ -3706,7 +3831,7 @@
         </p:nvCxnSpPr>
         <p:spPr>
           <a:xfrm>
-            <a:off x="4250267" y="2912533"/>
+            <a:off x="4250267" y="3725333"/>
             <a:ext cx="558800" cy="474134"/>
           </a:xfrm>
           <a:prstGeom prst="line">
@@ -3741,7 +3866,7 @@
         </p:nvCxnSpPr>
         <p:spPr>
           <a:xfrm flipV="1">
-            <a:off x="4250267" y="2946400"/>
+            <a:off x="4250267" y="3742267"/>
             <a:ext cx="558800" cy="457200"/>
           </a:xfrm>
           <a:prstGeom prst="line">
@@ -3776,7 +3901,7 @@
         </p:nvCxnSpPr>
         <p:spPr>
           <a:xfrm flipV="1">
-            <a:off x="3369733" y="2929467"/>
+            <a:off x="3369733" y="3810000"/>
             <a:ext cx="558800" cy="457200"/>
           </a:xfrm>
           <a:prstGeom prst="line">
@@ -3811,7 +3936,7 @@
         </p:nvCxnSpPr>
         <p:spPr>
           <a:xfrm flipH="1" flipV="1">
-            <a:off x="3217333" y="3251200"/>
+            <a:off x="3285066" y="4123267"/>
             <a:ext cx="152400" cy="152400"/>
           </a:xfrm>
           <a:prstGeom prst="line">
@@ -6955,7 +7080,6 @@
               <a:rPr kumimoji="1" lang="en-US" altLang="zh-CN" sz="2400" dirty="0" smtClean="0"/>
               <a:t>Number of value varies from 4 to 10 k.</a:t>
             </a:r>
-            <a:endParaRPr kumimoji="1" lang="en-US" altLang="zh-CN" sz="2400" dirty="0" smtClean="0"/>
           </a:p>
         </p:txBody>
       </p:sp>
@@ -7006,10 +7130,33 @@
             <p:ph type="title"/>
           </p:nvPr>
         </p:nvSpPr>
+        <p:spPr/>
+        <p:txBody>
+          <a:bodyPr/>
+          <a:lstStyle/>
+          <a:p>
+            <a:r>
+              <a:rPr kumimoji="1" lang="en-US" altLang="zh-CN" dirty="0" smtClean="0"/>
+              <a:t>Evaluation Method</a:t>
+            </a:r>
+            <a:endParaRPr kumimoji="1" lang="zh-CN" altLang="en-US" dirty="0"/>
+          </a:p>
+        </p:txBody>
+      </p:sp>
+      <p:sp>
+        <p:nvSpPr>
+          <p:cNvPr id="4" name="内容占位符 2"/>
+          <p:cNvSpPr>
+            <a:spLocks noGrp="1"/>
+          </p:cNvSpPr>
+          <p:nvPr>
+            <p:ph idx="1"/>
+          </p:nvPr>
+        </p:nvSpPr>
         <p:spPr>
           <a:xfrm>
-            <a:off x="541867" y="58209"/>
-            <a:ext cx="8229600" cy="1143000"/>
+            <a:off x="457200" y="1600200"/>
+            <a:ext cx="3318933" cy="872067"/>
           </a:xfrm>
         </p:spPr>
         <p:txBody>
@@ -7017,109 +7164,206 @@
           <a:lstStyle/>
           <a:p>
             <a:r>
-              <a:rPr kumimoji="1" lang="en-US" altLang="zh-CN" dirty="0"/>
-              <a:t>Attribute Selection</a:t>
+              <a:rPr kumimoji="1" lang="en-US" altLang="zh-CN" dirty="0" smtClean="0"/>
+              <a:t>ROC and AUC</a:t>
             </a:r>
             <a:endParaRPr kumimoji="1" lang="zh-CN" altLang="en-US" dirty="0"/>
           </a:p>
         </p:txBody>
       </p:sp>
-      <p:sp>
-        <p:nvSpPr>
-          <p:cNvPr id="4" name="标题 1"/>
-          <p:cNvSpPr txBox="1">
-            <a:spLocks/>
-          </p:cNvSpPr>
+      <p:pic>
+        <p:nvPicPr>
+          <p:cNvPr id="5" name="图片 4"/>
+          <p:cNvPicPr>
+            <a:picLocks noChangeAspect="1"/>
+          </p:cNvPicPr>
           <p:nvPr/>
-        </p:nvSpPr>
+        </p:nvPicPr>
+        <p:blipFill>
+          <a:blip r:embed="rId2"/>
+          <a:stretch>
+            <a:fillRect/>
+          </a:stretch>
+        </p:blipFill>
         <p:spPr>
           <a:xfrm>
-            <a:off x="1117600" y="1412876"/>
-            <a:ext cx="6485467" cy="771524"/>
+            <a:off x="338667" y="2472267"/>
+            <a:ext cx="5182142" cy="3733800"/>
           </a:xfrm>
           <a:prstGeom prst="rect">
             <a:avLst/>
           </a:prstGeom>
         </p:spPr>
-        <p:txBody>
-          <a:bodyPr vert="horz" lIns="91440" tIns="45720" rIns="91440" bIns="45720" rtlCol="0" anchor="ctr">
-            <a:normAutofit fontScale="77500" lnSpcReduction="20000"/>
+      </p:pic>
+      <p:sp>
+        <p:nvSpPr>
+          <p:cNvPr id="6" name="内容占位符 2"/>
+          <p:cNvSpPr txBox="1">
+            <a:spLocks/>
+          </p:cNvSpPr>
+          <p:nvPr/>
+        </p:nvSpPr>
+        <p:spPr>
+          <a:xfrm>
+            <a:off x="5367868" y="3031067"/>
+            <a:ext cx="3945466" cy="1625600"/>
+          </a:xfrm>
+          <a:prstGeom prst="rect">
+            <a:avLst/>
+          </a:prstGeom>
+        </p:spPr>
+        <p:txBody>
+          <a:bodyPr vert="horz" lIns="91440" tIns="45720" rIns="91440" bIns="45720" rtlCol="0">
+            <a:normAutofit/>
           </a:bodyPr>
           <a:lstStyle>
-            <a:lvl1pPr algn="ctr" defTabSz="457200" rtl="0" eaLnBrk="1" latinLnBrk="0" hangingPunct="1">
+            <a:lvl1pPr marL="342900" indent="-342900" algn="l" defTabSz="457200" rtl="0" eaLnBrk="1" latinLnBrk="0" hangingPunct="1">
               <a:spcBef>
-                <a:spcPct val="0"/>
+                <a:spcPct val="20000"/>
               </a:spcBef>
-              <a:buNone/>
-              <a:defRPr sz="4400" kern="1200">
+              <a:buFont typeface="Arial"/>
+              <a:buChar char="•"/>
+              <a:defRPr sz="3200" kern="1200">
                 <a:solidFill>
                   <a:schemeClr val="tx1"/>
                 </a:solidFill>
-                <a:latin typeface="+mj-lt"/>
-                <a:ea typeface="+mj-ea"/>
-                <a:cs typeface="+mj-cs"/>
+                <a:latin typeface="+mn-lt"/>
+                <a:ea typeface="+mn-ea"/>
+                <a:cs typeface="+mn-cs"/>
               </a:defRPr>
             </a:lvl1pPr>
+            <a:lvl2pPr marL="742950" indent="-285750" algn="l" defTabSz="457200" rtl="0" eaLnBrk="1" latinLnBrk="0" hangingPunct="1">
+              <a:spcBef>
+                <a:spcPct val="20000"/>
+              </a:spcBef>
+              <a:buFont typeface="Arial"/>
+              <a:buChar char="–"/>
+              <a:defRPr sz="2800" kern="1200">
+                <a:solidFill>
+                  <a:schemeClr val="tx1"/>
+                </a:solidFill>
+                <a:latin typeface="+mn-lt"/>
+                <a:ea typeface="+mn-ea"/>
+                <a:cs typeface="+mn-cs"/>
+              </a:defRPr>
+            </a:lvl2pPr>
+            <a:lvl3pPr marL="1143000" indent="-228600" algn="l" defTabSz="457200" rtl="0" eaLnBrk="1" latinLnBrk="0" hangingPunct="1">
+              <a:spcBef>
+                <a:spcPct val="20000"/>
+              </a:spcBef>
+              <a:buFont typeface="Arial"/>
+              <a:buChar char="•"/>
+              <a:defRPr sz="2400" kern="1200">
+                <a:solidFill>
+                  <a:schemeClr val="tx1"/>
+                </a:solidFill>
+                <a:latin typeface="+mn-lt"/>
+                <a:ea typeface="+mn-ea"/>
+                <a:cs typeface="+mn-cs"/>
+              </a:defRPr>
+            </a:lvl3pPr>
+            <a:lvl4pPr marL="1600200" indent="-228600" algn="l" defTabSz="457200" rtl="0" eaLnBrk="1" latinLnBrk="0" hangingPunct="1">
+              <a:spcBef>
+                <a:spcPct val="20000"/>
+              </a:spcBef>
+              <a:buFont typeface="Arial"/>
+              <a:buChar char="–"/>
+              <a:defRPr sz="2000" kern="1200">
+                <a:solidFill>
+                  <a:schemeClr val="tx1"/>
+                </a:solidFill>
+                <a:latin typeface="+mn-lt"/>
+                <a:ea typeface="+mn-ea"/>
+                <a:cs typeface="+mn-cs"/>
+              </a:defRPr>
+            </a:lvl4pPr>
+            <a:lvl5pPr marL="2057400" indent="-228600" algn="l" defTabSz="457200" rtl="0" eaLnBrk="1" latinLnBrk="0" hangingPunct="1">
+              <a:spcBef>
+                <a:spcPct val="20000"/>
+              </a:spcBef>
+              <a:buFont typeface="Arial"/>
+              <a:buChar char="»"/>
+              <a:defRPr sz="2000" kern="1200">
+                <a:solidFill>
+                  <a:schemeClr val="tx1"/>
+                </a:solidFill>
+                <a:latin typeface="+mn-lt"/>
+                <a:ea typeface="+mn-ea"/>
+                <a:cs typeface="+mn-cs"/>
+              </a:defRPr>
+            </a:lvl5pPr>
+            <a:lvl6pPr marL="2514600" indent="-228600" algn="l" defTabSz="457200" rtl="0" eaLnBrk="1" latinLnBrk="0" hangingPunct="1">
+              <a:spcBef>
+                <a:spcPct val="20000"/>
+              </a:spcBef>
+              <a:buFont typeface="Arial"/>
+              <a:buChar char="•"/>
+              <a:defRPr sz="2000" kern="1200">
+                <a:solidFill>
+                  <a:schemeClr val="tx1"/>
+                </a:solidFill>
+                <a:latin typeface="+mn-lt"/>
+                <a:ea typeface="+mn-ea"/>
+                <a:cs typeface="+mn-cs"/>
+              </a:defRPr>
+            </a:lvl6pPr>
+            <a:lvl7pPr marL="2971800" indent="-228600" algn="l" defTabSz="457200" rtl="0" eaLnBrk="1" latinLnBrk="0" hangingPunct="1">
+              <a:spcBef>
+                <a:spcPct val="20000"/>
+              </a:spcBef>
+              <a:buFont typeface="Arial"/>
+              <a:buChar char="•"/>
+              <a:defRPr sz="2000" kern="1200">
+                <a:solidFill>
+                  <a:schemeClr val="tx1"/>
+                </a:solidFill>
+                <a:latin typeface="+mn-lt"/>
+                <a:ea typeface="+mn-ea"/>
+                <a:cs typeface="+mn-cs"/>
+              </a:defRPr>
+            </a:lvl7pPr>
+            <a:lvl8pPr marL="3429000" indent="-228600" algn="l" defTabSz="457200" rtl="0" eaLnBrk="1" latinLnBrk="0" hangingPunct="1">
+              <a:spcBef>
+                <a:spcPct val="20000"/>
+              </a:spcBef>
+              <a:buFont typeface="Arial"/>
+              <a:buChar char="•"/>
+              <a:defRPr sz="2000" kern="1200">
+                <a:solidFill>
+                  <a:schemeClr val="tx1"/>
+                </a:solidFill>
+                <a:latin typeface="+mn-lt"/>
+                <a:ea typeface="+mn-ea"/>
+                <a:cs typeface="+mn-cs"/>
+              </a:defRPr>
+            </a:lvl8pPr>
+            <a:lvl9pPr marL="3886200" indent="-228600" algn="l" defTabSz="457200" rtl="0" eaLnBrk="1" latinLnBrk="0" hangingPunct="1">
+              <a:spcBef>
+                <a:spcPct val="20000"/>
+              </a:spcBef>
+              <a:buFont typeface="Arial"/>
+              <a:buChar char="•"/>
+              <a:defRPr sz="2000" kern="1200">
+                <a:solidFill>
+                  <a:schemeClr val="tx1"/>
+                </a:solidFill>
+                <a:latin typeface="+mn-lt"/>
+                <a:ea typeface="+mn-ea"/>
+                <a:cs typeface="+mn-cs"/>
+              </a:defRPr>
+            </a:lvl9pPr>
           </a:lstStyle>
           <a:p>
             <a:r>
               <a:rPr kumimoji="1" lang="en-US" altLang="zh-CN" dirty="0" smtClean="0"/>
-              <a:t>Effective Attribute Pattern Mining</a:t>
-            </a:r>
-          </a:p>
-        </p:txBody>
-      </p:sp>
-      <p:sp>
-        <p:nvSpPr>
-          <p:cNvPr id="6" name="内容占位符 2"/>
-          <p:cNvSpPr>
-            <a:spLocks noGrp="1"/>
-          </p:cNvSpPr>
-          <p:nvPr>
-            <p:ph idx="1"/>
-          </p:nvPr>
-        </p:nvSpPr>
-        <p:spPr>
-          <a:xfrm>
-            <a:off x="457200" y="2203714"/>
-            <a:ext cx="8229600" cy="4525963"/>
-          </a:xfrm>
-        </p:spPr>
-        <p:txBody>
-          <a:bodyPr/>
-          <a:lstStyle/>
-          <a:p>
-            <a:r>
-              <a:rPr kumimoji="1" lang="en-US" altLang="zh-CN" dirty="0"/>
-              <a:t>Try which kinds of Attribute combinations will produce high or low Click </a:t>
-            </a:r>
+              <a:t>Higher AUC</a:t>
+            </a:r>
+          </a:p>
+          <a:p>
             <a:r>
               <a:rPr kumimoji="1" lang="en-US" altLang="zh-CN" dirty="0" smtClean="0"/>
-              <a:t>Rate</a:t>
-            </a:r>
-          </a:p>
-          <a:p>
-            <a:r>
-              <a:rPr kumimoji="1" lang="en-US" altLang="zh-CN" dirty="0" smtClean="0"/>
-              <a:t>Example: </a:t>
-            </a:r>
-          </a:p>
-          <a:p>
-            <a:pPr lvl="1"/>
-            <a:r>
-              <a:rPr kumimoji="1" lang="en-US" altLang="zh-CN" dirty="0" smtClean="0"/>
-              <a:t>App category: Game app </a:t>
-            </a:r>
-          </a:p>
-          <a:p>
-            <a:pPr lvl="1"/>
-            <a:r>
-              <a:rPr kumimoji="1" lang="en-US" altLang="zh-CN" dirty="0" smtClean="0"/>
-              <a:t>Ads  category: Game ads</a:t>
-            </a:r>
-            <a:endParaRPr kumimoji="1" lang="en-US" altLang="zh-CN" dirty="0"/>
-          </a:p>
-          <a:p>
+              <a:t>Better Performance</a:t>
+            </a:r>
             <a:endParaRPr kumimoji="1" lang="zh-CN" altLang="en-US" dirty="0"/>
           </a:p>
         </p:txBody>
@@ -7127,7 +7371,7 @@
     </p:spTree>
     <p:extLst>
       <p:ext uri="{BB962C8B-B14F-4D97-AF65-F5344CB8AC3E}">
-        <p14:creationId xmlns:p14="http://schemas.microsoft.com/office/powerpoint/2010/main" val="1047753649"/>
+        <p14:creationId xmlns:p14="http://schemas.microsoft.com/office/powerpoint/2010/main" val="1763278488"/>
       </p:ext>
     </p:extLst>
   </p:cSld>
@@ -7171,14 +7415,19 @@
             <p:ph type="title"/>
           </p:nvPr>
         </p:nvSpPr>
-        <p:spPr/>
+        <p:spPr>
+          <a:xfrm>
+            <a:off x="541867" y="58209"/>
+            <a:ext cx="8229600" cy="1143000"/>
+          </a:xfrm>
+        </p:spPr>
         <p:txBody>
           <a:bodyPr/>
           <a:lstStyle/>
           <a:p>
             <a:r>
-              <a:rPr kumimoji="1" lang="en-US" altLang="zh-CN" dirty="0" smtClean="0"/>
-              <a:t>Evaluation Method</a:t>
+              <a:rPr kumimoji="1" lang="en-US" altLang="zh-CN" dirty="0"/>
+              <a:t>Attribute Selection</a:t>
             </a:r>
             <a:endParaRPr kumimoji="1" lang="zh-CN" altLang="en-US" dirty="0"/>
           </a:p>
@@ -7186,60 +7435,108 @@
       </p:sp>
       <p:sp>
         <p:nvSpPr>
-          <p:cNvPr id="4" name="内容占位符 2"/>
-          <p:cNvSpPr>
-            <a:spLocks noGrp="1"/>
-          </p:cNvSpPr>
-          <p:nvPr>
-            <p:ph idx="1"/>
-          </p:nvPr>
+          <p:cNvPr id="4" name="标题 1"/>
+          <p:cNvSpPr txBox="1">
+            <a:spLocks/>
+          </p:cNvSpPr>
+          <p:nvPr/>
         </p:nvSpPr>
         <p:spPr>
           <a:xfrm>
-            <a:off x="457200" y="1600200"/>
-            <a:ext cx="3318933" cy="872067"/>
-          </a:xfrm>
-        </p:spPr>
-        <p:txBody>
-          <a:bodyPr/>
-          <a:lstStyle/>
-          <a:p>
-            <a:r>
-              <a:rPr kumimoji="1" lang="en-US" altLang="zh-CN" dirty="0" smtClean="0"/>
-              <a:t>ROC and AUC</a:t>
-            </a:r>
-            <a:endParaRPr kumimoji="1" lang="zh-CN" altLang="en-US" dirty="0"/>
-          </a:p>
-        </p:txBody>
-      </p:sp>
-      <p:pic>
-        <p:nvPicPr>
-          <p:cNvPr id="5" name="图片 4"/>
-          <p:cNvPicPr>
-            <a:picLocks noChangeAspect="1"/>
-          </p:cNvPicPr>
-          <p:nvPr/>
-        </p:nvPicPr>
-        <p:blipFill>
-          <a:blip r:embed="rId2"/>
-          <a:stretch>
-            <a:fillRect/>
-          </a:stretch>
-        </p:blipFill>
-        <p:spPr>
-          <a:xfrm>
-            <a:off x="338667" y="2472267"/>
-            <a:ext cx="5182142" cy="3733800"/>
+            <a:off x="1117600" y="1412876"/>
+            <a:ext cx="6485467" cy="771524"/>
           </a:xfrm>
           <a:prstGeom prst="rect">
             <a:avLst/>
           </a:prstGeom>
         </p:spPr>
-      </p:pic>
+        <p:txBody>
+          <a:bodyPr vert="horz" lIns="91440" tIns="45720" rIns="91440" bIns="45720" rtlCol="0" anchor="ctr">
+            <a:normAutofit fontScale="77500" lnSpcReduction="20000"/>
+          </a:bodyPr>
+          <a:lstStyle>
+            <a:lvl1pPr algn="ctr" defTabSz="457200" rtl="0" eaLnBrk="1" latinLnBrk="0" hangingPunct="1">
+              <a:spcBef>
+                <a:spcPct val="0"/>
+              </a:spcBef>
+              <a:buNone/>
+              <a:defRPr sz="4400" kern="1200">
+                <a:solidFill>
+                  <a:schemeClr val="tx1"/>
+                </a:solidFill>
+                <a:latin typeface="+mj-lt"/>
+                <a:ea typeface="+mj-ea"/>
+                <a:cs typeface="+mj-cs"/>
+              </a:defRPr>
+            </a:lvl1pPr>
+          </a:lstStyle>
+          <a:p>
+            <a:r>
+              <a:rPr kumimoji="1" lang="en-US" altLang="zh-CN" dirty="0" smtClean="0"/>
+              <a:t>Effective Attribute Pattern Mining</a:t>
+            </a:r>
+          </a:p>
+        </p:txBody>
+      </p:sp>
+      <p:sp>
+        <p:nvSpPr>
+          <p:cNvPr id="6" name="内容占位符 2"/>
+          <p:cNvSpPr>
+            <a:spLocks noGrp="1"/>
+          </p:cNvSpPr>
+          <p:nvPr>
+            <p:ph idx="1"/>
+          </p:nvPr>
+        </p:nvSpPr>
+        <p:spPr>
+          <a:xfrm>
+            <a:off x="457200" y="2203714"/>
+            <a:ext cx="8229600" cy="4525963"/>
+          </a:xfrm>
+        </p:spPr>
+        <p:txBody>
+          <a:bodyPr/>
+          <a:lstStyle/>
+          <a:p>
+            <a:r>
+              <a:rPr kumimoji="1" lang="en-US" altLang="zh-CN" dirty="0"/>
+              <a:t>Try which kinds of Attribute combinations will produce high or low Click </a:t>
+            </a:r>
+            <a:r>
+              <a:rPr kumimoji="1" lang="en-US" altLang="zh-CN" dirty="0" smtClean="0"/>
+              <a:t>Rate</a:t>
+            </a:r>
+          </a:p>
+          <a:p>
+            <a:r>
+              <a:rPr kumimoji="1" lang="en-US" altLang="zh-CN" dirty="0" smtClean="0"/>
+              <a:t>Example: </a:t>
+            </a:r>
+          </a:p>
+          <a:p>
+            <a:pPr lvl="1"/>
+            <a:r>
+              <a:rPr kumimoji="1" lang="en-US" altLang="zh-CN" dirty="0" smtClean="0"/>
+              <a:t>App category: Game app </a:t>
+            </a:r>
+          </a:p>
+          <a:p>
+            <a:pPr lvl="1"/>
+            <a:r>
+              <a:rPr kumimoji="1" lang="en-US" altLang="zh-CN" dirty="0" smtClean="0"/>
+              <a:t>Ads  category: Game ads</a:t>
+            </a:r>
+            <a:endParaRPr kumimoji="1" lang="en-US" altLang="zh-CN" dirty="0"/>
+          </a:p>
+          <a:p>
+            <a:endParaRPr kumimoji="1" lang="zh-CN" altLang="en-US" dirty="0"/>
+          </a:p>
+        </p:txBody>
+      </p:sp>
     </p:spTree>
     <p:extLst>
       <p:ext uri="{BB962C8B-B14F-4D97-AF65-F5344CB8AC3E}">
-        <p14:creationId xmlns:p14="http://schemas.microsoft.com/office/powerpoint/2010/main" val="1763278488"/>
+        <p14:creationId xmlns:p14="http://schemas.microsoft.com/office/powerpoint/2010/main" val="1047753649"/>
       </p:ext>
     </p:extLst>
   </p:cSld>
@@ -7754,9 +8051,33 @@
           </a:p>
         </p:txBody>
       </p:sp>
-      <p:sp>
-        <p:nvSpPr>
-          <p:cNvPr id="3" name="内容占位符 2"/>
+      <p:pic>
+        <p:nvPicPr>
+          <p:cNvPr id="4" name="图片 3"/>
+          <p:cNvPicPr>
+            <a:picLocks noChangeAspect="1"/>
+          </p:cNvPicPr>
+          <p:nvPr/>
+        </p:nvPicPr>
+        <p:blipFill>
+          <a:blip r:embed="rId2"/>
+          <a:stretch>
+            <a:fillRect/>
+          </a:stretch>
+        </p:blipFill>
+        <p:spPr>
+          <a:xfrm>
+            <a:off x="4875894" y="3193568"/>
+            <a:ext cx="3667117" cy="2684366"/>
+          </a:xfrm>
+          <a:prstGeom prst="rect">
+            <a:avLst/>
+          </a:prstGeom>
+        </p:spPr>
+      </p:pic>
+      <p:sp>
+        <p:nvSpPr>
+          <p:cNvPr id="7" name="内容占位符 6"/>
           <p:cNvSpPr>
             <a:spLocks noGrp="1"/>
           </p:cNvSpPr>
@@ -7766,10 +8087,70 @@
         </p:nvSpPr>
         <p:spPr/>
         <p:txBody>
-          <a:bodyPr/>
+          <a:bodyPr>
+            <a:normAutofit/>
+          </a:bodyPr>
           <a:lstStyle/>
           <a:p>
-            <a:endParaRPr kumimoji="1" lang="zh-CN" altLang="en-US"/>
+            <a:r>
+              <a:rPr kumimoji="1" lang="en-US" altLang="zh-CN" dirty="0"/>
+              <a:t>Specified for categorical data</a:t>
+            </a:r>
+            <a:r>
+              <a:rPr kumimoji="1" lang="en-US" altLang="zh-CN" dirty="0" smtClean="0"/>
+              <a:t>.</a:t>
+            </a:r>
+          </a:p>
+          <a:p>
+            <a:pPr lvl="1"/>
+            <a:r>
+              <a:rPr kumimoji="1" lang="en-US" altLang="zh-CN" dirty="0" smtClean="0"/>
+              <a:t>All of our attributes are categorical. </a:t>
+            </a:r>
+            <a:endParaRPr kumimoji="1" lang="en-US" altLang="zh-CN" dirty="0"/>
+          </a:p>
+          <a:p>
+            <a:endParaRPr kumimoji="1" lang="en-US" altLang="zh-CN" dirty="0" smtClean="0"/>
+          </a:p>
+          <a:p>
+            <a:r>
+              <a:rPr kumimoji="1" lang="en-US" altLang="zh-CN" dirty="0" smtClean="0"/>
+              <a:t>Modified tree avoid</a:t>
+            </a:r>
+          </a:p>
+          <a:p>
+            <a:pPr marL="0" indent="0">
+              <a:buNone/>
+            </a:pPr>
+            <a:r>
+              <a:rPr kumimoji="1" lang="en-US" altLang="zh-CN" dirty="0" smtClean="0"/>
+              <a:t>	over </a:t>
+            </a:r>
+            <a:r>
+              <a:rPr kumimoji="1" lang="en-US" altLang="zh-CN" dirty="0"/>
+              <a:t>fitting</a:t>
+            </a:r>
+            <a:r>
+              <a:rPr kumimoji="1" lang="en-US" altLang="zh-CN" dirty="0" smtClean="0"/>
+              <a:t>.</a:t>
+            </a:r>
+          </a:p>
+          <a:p>
+            <a:pPr lvl="1"/>
+            <a:r>
+              <a:rPr kumimoji="1" lang="en-US" altLang="zh-CN" dirty="0" smtClean="0"/>
+              <a:t>Split number </a:t>
+            </a:r>
+          </a:p>
+          <a:p>
+            <a:pPr marL="0" indent="0">
+              <a:buNone/>
+            </a:pPr>
+            <a:r>
+              <a:rPr kumimoji="1" lang="en-US" altLang="zh-CN" dirty="0"/>
+              <a:t>	</a:t>
+            </a:r>
+            <a:endParaRPr kumimoji="1" lang="en-US" altLang="zh-CN" dirty="0" smtClean="0"/>
           </a:p>
         </p:txBody>
       </p:sp>
